--- a/presentation/Car4Me.pptx
+++ b/presentation/Car4Me.pptx
@@ -5,7 +5,7 @@
     <p:sldMasterId id="2147483768" r:id="rId4"/>
   </p:sldMasterIdLst>
   <p:notesMasterIdLst>
-    <p:notesMasterId r:id="rId36"/>
+    <p:notesMasterId r:id="rId38"/>
   </p:notesMasterIdLst>
   <p:sldIdLst>
     <p:sldId id="256" r:id="rId5"/>
@@ -29,16 +29,18 @@
     <p:sldId id="275" r:id="rId23"/>
     <p:sldId id="276" r:id="rId24"/>
     <p:sldId id="277" r:id="rId25"/>
-    <p:sldId id="278" r:id="rId26"/>
-    <p:sldId id="279" r:id="rId27"/>
+    <p:sldId id="291" r:id="rId26"/>
+    <p:sldId id="290" r:id="rId27"/>
     <p:sldId id="281" r:id="rId28"/>
     <p:sldId id="280" r:id="rId29"/>
-    <p:sldId id="282" r:id="rId30"/>
-    <p:sldId id="286" r:id="rId31"/>
-    <p:sldId id="285" r:id="rId32"/>
-    <p:sldId id="287" r:id="rId33"/>
-    <p:sldId id="288" r:id="rId34"/>
-    <p:sldId id="289" r:id="rId35"/>
+    <p:sldId id="278" r:id="rId30"/>
+    <p:sldId id="279" r:id="rId31"/>
+    <p:sldId id="282" r:id="rId32"/>
+    <p:sldId id="286" r:id="rId33"/>
+    <p:sldId id="285" r:id="rId34"/>
+    <p:sldId id="287" r:id="rId35"/>
+    <p:sldId id="288" r:id="rId36"/>
+    <p:sldId id="289" r:id="rId37"/>
   </p:sldIdLst>
   <p:sldSz cx="12192000" cy="6858000"/>
   <p:notesSz cx="6858000" cy="9144000"/>
@@ -4303,6 +4305,11 @@
         <a:bodyPr/>
         <a:lstStyle/>
         <a:p>
+          <a:pPr>
+            <a:lnSpc>
+              <a:spcPct val="100000"/>
+            </a:lnSpc>
+          </a:pPr>
           <a:r>
             <a:rPr lang="pt-PT" b="1" dirty="0"/>
             <a:t>Cliente (1) — (N) Reservas</a:t>
@@ -4336,6 +4343,11 @@
         <a:bodyPr/>
         <a:lstStyle/>
         <a:p>
+          <a:pPr>
+            <a:lnSpc>
+              <a:spcPct val="100000"/>
+            </a:lnSpc>
+          </a:pPr>
           <a:endParaRPr lang="en-US"/>
         </a:p>
       </dgm:t>
@@ -4347,6 +4359,11 @@
         <a:bodyPr/>
         <a:lstStyle/>
         <a:p>
+          <a:pPr>
+            <a:lnSpc>
+              <a:spcPct val="100000"/>
+            </a:lnSpc>
+          </a:pPr>
           <a:r>
             <a:rPr lang="pt-PT" b="1"/>
             <a:t>Veículo (1) — (N) Reservas</a:t>
@@ -4380,6 +4397,11 @@
         <a:bodyPr/>
         <a:lstStyle/>
         <a:p>
+          <a:pPr>
+            <a:lnSpc>
+              <a:spcPct val="100000"/>
+            </a:lnSpc>
+          </a:pPr>
           <a:endParaRPr lang="en-US"/>
         </a:p>
       </dgm:t>
@@ -4391,6 +4413,11 @@
         <a:bodyPr/>
         <a:lstStyle/>
         <a:p>
+          <a:pPr>
+            <a:lnSpc>
+              <a:spcPct val="100000"/>
+            </a:lnSpc>
+          </a:pPr>
           <a:r>
             <a:rPr lang="pt-PT" b="1" dirty="0"/>
             <a:t>Funcionário (1) — (N) Reservas</a:t>
@@ -4424,6 +4451,11 @@
         <a:bodyPr/>
         <a:lstStyle/>
         <a:p>
+          <a:pPr>
+            <a:lnSpc>
+              <a:spcPct val="100000"/>
+            </a:lnSpc>
+          </a:pPr>
           <a:endParaRPr lang="en-US"/>
         </a:p>
       </dgm:t>
@@ -4435,6 +4467,11 @@
         <a:bodyPr/>
         <a:lstStyle/>
         <a:p>
+          <a:pPr>
+            <a:lnSpc>
+              <a:spcPct val="100000"/>
+            </a:lnSpc>
+          </a:pPr>
           <a:r>
             <a:rPr lang="pt-PT" b="1"/>
             <a:t>Categoria (1) — (N) Veículos</a:t>
@@ -4468,6 +4505,11 @@
         <a:bodyPr/>
         <a:lstStyle/>
         <a:p>
+          <a:pPr>
+            <a:lnSpc>
+              <a:spcPct val="100000"/>
+            </a:lnSpc>
+          </a:pPr>
           <a:endParaRPr lang="en-US"/>
         </a:p>
       </dgm:t>
@@ -4479,6 +4521,11 @@
         <a:bodyPr/>
         <a:lstStyle/>
         <a:p>
+          <a:pPr>
+            <a:lnSpc>
+              <a:spcPct val="100000"/>
+            </a:lnSpc>
+          </a:pPr>
           <a:r>
             <a:rPr lang="pt-PT" b="1"/>
             <a:t>Veículo (1) — (N) Manutenções</a:t>
@@ -4512,6 +4559,11 @@
         <a:bodyPr/>
         <a:lstStyle/>
         <a:p>
+          <a:pPr>
+            <a:lnSpc>
+              <a:spcPct val="100000"/>
+            </a:lnSpc>
+          </a:pPr>
           <a:endParaRPr lang="en-US"/>
         </a:p>
       </dgm:t>
@@ -4523,6 +4575,11 @@
         <a:bodyPr/>
         <a:lstStyle/>
         <a:p>
+          <a:pPr>
+            <a:lnSpc>
+              <a:spcPct val="100000"/>
+            </a:lnSpc>
+          </a:pPr>
           <a:r>
             <a:rPr lang="pt-PT" b="1" dirty="0"/>
             <a:t>Cliente (N) — (N) </a:t>
@@ -4595,7 +4652,7 @@
       <dgm:spPr/>
     </dgm:pt>
     <dgm:pt modelId="{825302D3-3391-4DA2-99D0-2D0B033C43B6}" type="pres">
-      <dgm:prSet presAssocID="{AB685DB4-5CD4-4727-9272-07E44BB29B26}" presName="iconBgRect" presStyleLbl="bgShp" presStyleIdx="0" presStyleCnt="6"/>
+      <dgm:prSet presAssocID="{AB685DB4-5CD4-4727-9272-07E44BB29B26}" presName="iconBgRect" presStyleLbl="bgShp" presStyleIdx="0" presStyleCnt="6" custLinFactNeighborX="-4625" custLinFactNeighborY="7249"/>
       <dgm:spPr/>
     </dgm:pt>
     <dgm:pt modelId="{61993318-F3BD-4FC8-9FC0-A7E2AEEFFCF0}" type="pres">
@@ -6154,7 +6211,7 @@
       </dsp:nvSpPr>
       <dsp:spPr>
         <a:xfrm>
-          <a:off x="386990" y="676251"/>
+          <a:off x="349283" y="735352"/>
           <a:ext cx="815300" cy="815300"/>
         </a:xfrm>
         <a:prstGeom prst="ellipse">
@@ -6274,7 +6331,7 @@
         <a:p>
           <a:pPr marL="0" lvl="0" indent="0" algn="l" defTabSz="533400">
             <a:lnSpc>
-              <a:spcPct val="90000"/>
+              <a:spcPct val="100000"/>
             </a:lnSpc>
             <a:spcBef>
               <a:spcPct val="0"/>
@@ -6430,7 +6487,7 @@
         <a:p>
           <a:pPr marL="0" lvl="0" indent="0" algn="l" defTabSz="533400">
             <a:lnSpc>
-              <a:spcPct val="90000"/>
+              <a:spcPct val="100000"/>
             </a:lnSpc>
             <a:spcBef>
               <a:spcPct val="0"/>
@@ -6586,7 +6643,7 @@
         <a:p>
           <a:pPr marL="0" lvl="0" indent="0" algn="l" defTabSz="533400">
             <a:lnSpc>
-              <a:spcPct val="90000"/>
+              <a:spcPct val="100000"/>
             </a:lnSpc>
             <a:spcBef>
               <a:spcPct val="0"/>
@@ -6742,7 +6799,7 @@
         <a:p>
           <a:pPr marL="0" lvl="0" indent="0" algn="l" defTabSz="533400">
             <a:lnSpc>
-              <a:spcPct val="90000"/>
+              <a:spcPct val="100000"/>
             </a:lnSpc>
             <a:spcBef>
               <a:spcPct val="0"/>
@@ -6898,7 +6955,7 @@
         <a:p>
           <a:pPr marL="0" lvl="0" indent="0" algn="l" defTabSz="533400">
             <a:lnSpc>
-              <a:spcPct val="90000"/>
+              <a:spcPct val="100000"/>
             </a:lnSpc>
             <a:spcBef>
               <a:spcPct val="0"/>
@@ -7054,7 +7111,7 @@
         <a:p>
           <a:pPr marL="0" lvl="0" indent="0" algn="l" defTabSz="533400">
             <a:lnSpc>
-              <a:spcPct val="90000"/>
+              <a:spcPct val="100000"/>
             </a:lnSpc>
             <a:spcBef>
               <a:spcPct val="0"/>
@@ -25134,8 +25191,8 @@
         </p:nvSpPr>
         <p:spPr>
           <a:xfrm>
-            <a:off x="1251679" y="645107"/>
-            <a:ext cx="3384329" cy="1640894"/>
+            <a:off x="1251679" y="1616068"/>
+            <a:ext cx="4630647" cy="1640894"/>
           </a:xfrm>
         </p:spPr>
         <p:txBody>
@@ -25145,11 +25202,7 @@
           <a:lstStyle/>
           <a:p>
             <a:r>
-              <a:rPr lang="en-US" sz="4000" dirty="0"/>
-              <a:t>Stack e </a:t>
-            </a:r>
-            <a:r>
-              <a:rPr lang="en-US" sz="4000"/>
+              <a:rPr lang="en-US" sz="4000" dirty="0" err="1"/>
               <a:t>papel</a:t>
             </a:r>
             <a:r>
@@ -25173,8 +25226,8 @@
         </p:nvSpPr>
         <p:spPr>
           <a:xfrm>
-            <a:off x="1251679" y="2286001"/>
-            <a:ext cx="3384330" cy="3940844"/>
+            <a:off x="978302" y="2298310"/>
+            <a:ext cx="4228502" cy="3940844"/>
           </a:xfrm>
           <a:prstGeom prst="rect">
             <a:avLst/>
@@ -25186,7 +25239,7 @@
           </a:bodyPr>
           <a:lstStyle/>
           <a:p>
-            <a:pPr indent="-228600" defTabSz="914400">
+            <a:pPr marL="571500" lvl="1" indent="-285750" defTabSz="914400">
               <a:lnSpc>
                 <a:spcPct val="110000"/>
               </a:lnSpc>
@@ -25196,9 +25249,11 @@
               <a:buClr>
                 <a:schemeClr val="tx2"/>
               </a:buClr>
+              <a:buFont typeface="Arial" panose="020B0604020202020204" pitchFamily="34" charset="0"/>
+              <a:buChar char="•"/>
             </a:pPr>
             <a:r>
-              <a:rPr lang="en-US">
+              <a:rPr lang="en-US" dirty="0" err="1">
                 <a:solidFill>
                   <a:schemeClr val="tx1">
                     <a:lumMod val="65000"/>
@@ -25206,11 +25261,85 @@
                   </a:schemeClr>
                 </a:solidFill>
               </a:rPr>
-              <a:t>Responsável por:</a:t>
-            </a:r>
+              <a:t>Implementar</a:t>
+            </a:r>
+            <a:r>
+              <a:rPr lang="en-US" dirty="0">
+                <a:solidFill>
+                  <a:schemeClr val="tx1">
+                    <a:lumMod val="65000"/>
+                    <a:lumOff val="35000"/>
+                  </a:schemeClr>
+                </a:solidFill>
+              </a:rPr>
+              <a:t> </a:t>
+            </a:r>
+            <a:r>
+              <a:rPr lang="en-US" dirty="0" err="1">
+                <a:solidFill>
+                  <a:schemeClr val="tx1">
+                    <a:lumMod val="65000"/>
+                    <a:lumOff val="35000"/>
+                  </a:schemeClr>
+                </a:solidFill>
+              </a:rPr>
+              <a:t>os</a:t>
+            </a:r>
+            <a:r>
+              <a:rPr lang="en-US" dirty="0">
+                <a:solidFill>
+                  <a:schemeClr val="tx1">
+                    <a:lumMod val="65000"/>
+                    <a:lumOff val="35000"/>
+                  </a:schemeClr>
+                </a:solidFill>
+              </a:rPr>
+              <a:t> endpoints </a:t>
+            </a:r>
+            <a:r>
+              <a:rPr lang="en-US" dirty="0" err="1">
+                <a:solidFill>
+                  <a:schemeClr val="tx1">
+                    <a:lumMod val="65000"/>
+                    <a:lumOff val="35000"/>
+                  </a:schemeClr>
+                </a:solidFill>
+              </a:rPr>
+              <a:t>definidos</a:t>
+            </a:r>
+            <a:r>
+              <a:rPr lang="en-US" dirty="0">
+                <a:solidFill>
+                  <a:schemeClr val="tx1">
+                    <a:lumMod val="65000"/>
+                    <a:lumOff val="35000"/>
+                  </a:schemeClr>
+                </a:solidFill>
+              </a:rPr>
+              <a:t> no </a:t>
+            </a:r>
+            <a:r>
+              <a:rPr lang="en-US" dirty="0" err="1">
+                <a:solidFill>
+                  <a:schemeClr val="tx1">
+                    <a:lumMod val="65000"/>
+                    <a:lumOff val="35000"/>
+                  </a:schemeClr>
+                </a:solidFill>
+              </a:rPr>
+              <a:t>OpenAPI</a:t>
+            </a:r>
+            <a:endParaRPr lang="en-US" dirty="0">
+              <a:solidFill>
+                <a:schemeClr val="tx1">
+                  <a:lumMod val="65000"/>
+                  <a:lumOff val="35000"/>
+                </a:schemeClr>
+              </a:solidFill>
+            </a:endParaRPr>
           </a:p>
           <a:p>
-            <a:pPr marL="514350" lvl="1" indent="-228600" defTabSz="914400">
+            <a:pPr marL="571500" lvl="1" indent="-285750" defTabSz="914400">
               <a:lnSpc>
                 <a:spcPct val="110000"/>
               </a:lnSpc>
@@ -25220,9 +25349,11 @@
               <a:buClr>
                 <a:schemeClr val="tx2"/>
               </a:buClr>
+              <a:buFont typeface="Arial" panose="020B0604020202020204" pitchFamily="34" charset="0"/>
+              <a:buChar char="•"/>
             </a:pPr>
             <a:r>
-              <a:rPr lang="en-US">
+              <a:rPr lang="en-US" dirty="0">
                 <a:solidFill>
                   <a:schemeClr val="tx1">
                     <a:lumMod val="65000"/>
@@ -25230,11 +25361,33 @@
                   </a:schemeClr>
                 </a:solidFill>
               </a:rPr>
-              <a:t>Implementar os endpoints definidos no OpenAPI</a:t>
+              <a:t>Validar dados </a:t>
+            </a:r>
+            <a:r>
+              <a:rPr lang="en-US" dirty="0" err="1">
+                <a:solidFill>
+                  <a:schemeClr val="tx1">
+                    <a:lumMod val="65000"/>
+                    <a:lumOff val="35000"/>
+                  </a:schemeClr>
+                </a:solidFill>
+              </a:rPr>
+              <a:t>recebidos</a:t>
+            </a:r>
+            <a:r>
+              <a:rPr lang="en-US" dirty="0">
+                <a:solidFill>
+                  <a:schemeClr val="tx1">
+                    <a:lumMod val="65000"/>
+                    <a:lumOff val="35000"/>
+                  </a:schemeClr>
+                </a:solidFill>
+              </a:rPr>
+              <a:t> da API</a:t>
             </a:r>
           </a:p>
           <a:p>
-            <a:pPr marL="514350" lvl="1" indent="-228600" defTabSz="914400">
+            <a:pPr marL="571500" lvl="1" indent="-285750" defTabSz="914400">
               <a:lnSpc>
                 <a:spcPct val="110000"/>
               </a:lnSpc>
@@ -25244,9 +25397,11 @@
               <a:buClr>
                 <a:schemeClr val="tx2"/>
               </a:buClr>
+              <a:buFont typeface="Arial" panose="020B0604020202020204" pitchFamily="34" charset="0"/>
+              <a:buChar char="•"/>
             </a:pPr>
             <a:r>
-              <a:rPr lang="en-US">
+              <a:rPr lang="en-US" dirty="0" err="1">
                 <a:solidFill>
                   <a:schemeClr val="tx1">
                     <a:lumMod val="65000"/>
@@ -25254,23 +25409,10 @@
                   </a:schemeClr>
                 </a:solidFill>
               </a:rPr>
-              <a:t>Validar dados recebidos da API</a:t>
-            </a:r>
-          </a:p>
-          <a:p>
-            <a:pPr marL="514350" lvl="1" indent="-228600" defTabSz="914400">
-              <a:lnSpc>
-                <a:spcPct val="110000"/>
-              </a:lnSpc>
-              <a:spcBef>
-                <a:spcPts val="700"/>
-              </a:spcBef>
-              <a:buClr>
-                <a:schemeClr val="tx2"/>
-              </a:buClr>
-            </a:pPr>
-            <a:r>
-              <a:rPr lang="en-US">
+              <a:t>Comunicar</a:t>
+            </a:r>
+            <a:r>
+              <a:rPr lang="en-US" dirty="0">
                 <a:solidFill>
                   <a:schemeClr val="tx1">
                     <a:lumMod val="65000"/>
@@ -25278,7 +25420,7 @@
                   </a:schemeClr>
                 </a:solidFill>
               </a:rPr>
-              <a:t>Comunicar com a base de dados MySQL</a:t>
+              <a:t> com a base de dados MySQL</a:t>
             </a:r>
           </a:p>
         </p:txBody>
@@ -25386,13 +25528,7 @@
   <p:cSld>
     <p:spTree>
       <p:nvGrpSpPr>
-        <p:cNvPr id="1" name="">
-          <a:extLst>
-            <a:ext uri="{FF2B5EF4-FFF2-40B4-BE49-F238E27FC236}">
-              <a16:creationId xmlns:a16="http://schemas.microsoft.com/office/drawing/2014/main" id="{36BCA6CC-FBF6-CE81-ABAC-92598A7BA0B9}"/>
-            </a:ext>
-          </a:extLst>
-        </p:cNvPr>
+        <p:cNvPr id="1" name=""/>
         <p:cNvGrpSpPr/>
         <p:nvPr/>
       </p:nvGrpSpPr>
@@ -25406,52 +25542,10 @@
       </p:grpSpPr>
       <p:sp>
         <p:nvSpPr>
-          <p:cNvPr id="2" name="Título 1">
+          <p:cNvPr id="4" name="Marcador de Posição do Número do Diapositivo 3">
             <a:extLst>
               <a:ext uri="{FF2B5EF4-FFF2-40B4-BE49-F238E27FC236}">
-                <a16:creationId xmlns:a16="http://schemas.microsoft.com/office/drawing/2014/main" id="{B4765E57-ADF6-EF54-1592-09C64B95AF66}"/>
-              </a:ext>
-            </a:extLst>
-          </p:cNvPr>
-          <p:cNvSpPr>
-            <a:spLocks noGrp="1"/>
-          </p:cNvSpPr>
-          <p:nvPr>
-            <p:ph type="title"/>
-          </p:nvPr>
-        </p:nvSpPr>
-        <p:spPr>
-          <a:xfrm>
-            <a:off x="1416414" y="2517804"/>
-            <a:ext cx="10178322" cy="1492132"/>
-          </a:xfrm>
-        </p:spPr>
-        <p:txBody>
-          <a:bodyPr/>
-          <a:lstStyle/>
-          <a:p>
-            <a:pPr algn="ctr"/>
-            <a:r>
-              <a:rPr lang="pt-PT" dirty="0"/>
-              <a:t>Exemplo de </a:t>
-            </a:r>
-            <a:r>
-              <a:rPr lang="pt-PT" dirty="0" err="1"/>
-              <a:t>endpoint</a:t>
-            </a:r>
-            <a:r>
-              <a:rPr lang="pt-PT" dirty="0"/>
-              <a:t> em Node.js (POST /favoritos)</a:t>
-            </a:r>
-          </a:p>
-        </p:txBody>
-      </p:sp>
-      <p:sp>
-        <p:nvSpPr>
-          <p:cNvPr id="6" name="Marcador de Posição do Número do Diapositivo 5">
-            <a:extLst>
-              <a:ext uri="{FF2B5EF4-FFF2-40B4-BE49-F238E27FC236}">
-                <a16:creationId xmlns:a16="http://schemas.microsoft.com/office/drawing/2014/main" id="{754DCCA7-D68B-24DD-4D79-2E90EFA29DF8}"/>
+                <a16:creationId xmlns:a16="http://schemas.microsoft.com/office/drawing/2014/main" id="{3589638F-497C-0FFD-8FD4-39E4681F0F5D}"/>
               </a:ext>
             </a:extLst>
           </p:cNvPr>
@@ -25475,10 +25569,72 @@
           </a:p>
         </p:txBody>
       </p:sp>
+      <p:sp>
+        <p:nvSpPr>
+          <p:cNvPr id="5" name="Título 1">
+            <a:extLst>
+              <a:ext uri="{FF2B5EF4-FFF2-40B4-BE49-F238E27FC236}">
+                <a16:creationId xmlns:a16="http://schemas.microsoft.com/office/drawing/2014/main" id="{3CBED9C2-462B-F3B0-E7EF-5AD3AA14913A}"/>
+              </a:ext>
+            </a:extLst>
+          </p:cNvPr>
+          <p:cNvSpPr txBox="1">
+            <a:spLocks/>
+          </p:cNvSpPr>
+          <p:nvPr/>
+        </p:nvSpPr>
+        <p:spPr>
+          <a:xfrm>
+            <a:off x="0" y="2682934"/>
+            <a:ext cx="12192000" cy="1492132"/>
+          </a:xfrm>
+          <a:prstGeom prst="rect">
+            <a:avLst/>
+          </a:prstGeom>
+        </p:spPr>
+        <p:txBody>
+          <a:bodyPr vert="horz" lIns="91440" tIns="45720" rIns="91440" bIns="45720" rtlCol="0" anchor="t">
+            <a:normAutofit/>
+          </a:bodyPr>
+          <a:lstStyle>
+            <a:lvl1pPr algn="l" defTabSz="914400" rtl="0" eaLnBrk="1" latinLnBrk="0" hangingPunct="1">
+              <a:lnSpc>
+                <a:spcPct val="90000"/>
+              </a:lnSpc>
+              <a:spcBef>
+                <a:spcPct val="0"/>
+              </a:spcBef>
+              <a:buNone/>
+              <a:defRPr sz="5100" kern="1200" cap="all" spc="200" baseline="0">
+                <a:solidFill>
+                  <a:schemeClr val="tx2"/>
+                </a:solidFill>
+                <a:latin typeface="+mj-lt"/>
+                <a:ea typeface="+mj-ea"/>
+                <a:cs typeface="+mj-cs"/>
+              </a:defRPr>
+            </a:lvl1pPr>
+          </a:lstStyle>
+          <a:p>
+            <a:pPr algn="ctr"/>
+            <a:r>
+              <a:rPr lang="pt-PT" dirty="0"/>
+              <a:t>Útil para Criar</a:t>
+            </a:r>
+          </a:p>
+          <a:p>
+            <a:pPr algn="ctr"/>
+            <a:r>
+              <a:rPr lang="pt-PT" dirty="0"/>
+              <a:t>“Regras do Negócio”</a:t>
+            </a:r>
+          </a:p>
+        </p:txBody>
+      </p:sp>
     </p:spTree>
     <p:extLst>
       <p:ext uri="{BB962C8B-B14F-4D97-AF65-F5344CB8AC3E}">
-        <p14:creationId xmlns:p14="http://schemas.microsoft.com/office/powerpoint/2010/main" val="3691430370"/>
+        <p14:creationId xmlns:p14="http://schemas.microsoft.com/office/powerpoint/2010/main" val="4049818274"/>
       </p:ext>
     </p:extLst>
   </p:cSld>
@@ -25491,23 +25647,9 @@
 <file path=ppt/slides/slide23.xml><?xml version="1.0" encoding="utf-8"?>
 <p:sld xmlns:a="http://schemas.openxmlformats.org/drawingml/2006/main" xmlns:r="http://schemas.openxmlformats.org/officeDocument/2006/relationships" xmlns:p="http://schemas.openxmlformats.org/presentationml/2006/main">
   <p:cSld>
-    <p:bg>
-      <p:bgPr>
-        <a:solidFill>
-          <a:schemeClr val="bg2"/>
-        </a:solidFill>
-        <a:effectLst/>
-      </p:bgPr>
-    </p:bg>
     <p:spTree>
       <p:nvGrpSpPr>
-        <p:cNvPr id="1" name="">
-          <a:extLst>
-            <a:ext uri="{FF2B5EF4-FFF2-40B4-BE49-F238E27FC236}">
-              <a16:creationId xmlns:a16="http://schemas.microsoft.com/office/drawing/2014/main" id="{FCFC4322-AF5C-C2A8-61AA-6FF89B04FEB7}"/>
-            </a:ext>
-          </a:extLst>
-        </p:cNvPr>
+        <p:cNvPr id="1" name=""/>
         <p:cNvGrpSpPr/>
         <p:nvPr/>
       </p:nvGrpSpPr>
@@ -25521,1005 +25663,10 @@
       </p:grpSpPr>
       <p:sp>
         <p:nvSpPr>
-          <p:cNvPr id="10" name="CaixaDeTexto 9">
+          <p:cNvPr id="4" name="Marcador de Posição do Número do Diapositivo 3">
             <a:extLst>
               <a:ext uri="{FF2B5EF4-FFF2-40B4-BE49-F238E27FC236}">
-                <a16:creationId xmlns:a16="http://schemas.microsoft.com/office/drawing/2014/main" id="{0882445D-E103-C2AF-6F66-4CC995735FA4}"/>
-              </a:ext>
-            </a:extLst>
-          </p:cNvPr>
-          <p:cNvSpPr txBox="1"/>
-          <p:nvPr/>
-        </p:nvSpPr>
-        <p:spPr>
-          <a:xfrm>
-            <a:off x="1185691" y="1458578"/>
-            <a:ext cx="3914210" cy="3940844"/>
-          </a:xfrm>
-          <a:prstGeom prst="rect">
-            <a:avLst/>
-          </a:prstGeom>
-        </p:spPr>
-        <p:txBody>
-          <a:bodyPr vert="horz" lIns="91440" tIns="45720" rIns="91440" bIns="45720" rtlCol="0">
-            <a:normAutofit fontScale="92500"/>
-          </a:bodyPr>
-          <a:lstStyle/>
-          <a:p>
-            <a:pPr indent="-228600" defTabSz="914400">
-              <a:spcBef>
-                <a:spcPts val="700"/>
-              </a:spcBef>
-              <a:buClr>
-                <a:schemeClr val="tx2"/>
-              </a:buClr>
-              <a:buFont typeface="Arial" panose="020B0604020202020204" pitchFamily="34" charset="0"/>
-              <a:buChar char="•"/>
-            </a:pPr>
-            <a:endParaRPr lang="en-US" sz="1400" dirty="0">
-              <a:solidFill>
-                <a:schemeClr val="tx1">
-                  <a:lumMod val="65000"/>
-                  <a:lumOff val="35000"/>
-                </a:schemeClr>
-              </a:solidFill>
-            </a:endParaRPr>
-          </a:p>
-          <a:p>
-            <a:pPr defTabSz="914400">
-              <a:spcBef>
-                <a:spcPts val="700"/>
-              </a:spcBef>
-              <a:buClr>
-                <a:schemeClr val="tx2"/>
-              </a:buClr>
-            </a:pPr>
-            <a:r>
-              <a:rPr lang="en-US" sz="1400" dirty="0" err="1">
-                <a:solidFill>
-                  <a:schemeClr val="tx1">
-                    <a:lumMod val="65000"/>
-                    <a:lumOff val="35000"/>
-                  </a:schemeClr>
-                </a:solidFill>
-              </a:rPr>
-              <a:t>Implementação</a:t>
-            </a:r>
-            <a:r>
-              <a:rPr lang="en-US" sz="1400" dirty="0">
-                <a:solidFill>
-                  <a:schemeClr val="tx1">
-                    <a:lumMod val="65000"/>
-                    <a:lumOff val="35000"/>
-                  </a:schemeClr>
-                </a:solidFill>
-              </a:rPr>
-              <a:t> do endpoint </a:t>
-            </a:r>
-            <a:r>
-              <a:rPr lang="en-US" sz="1400" dirty="0">
-                <a:solidFill>
-                  <a:schemeClr val="tx1">
-                    <a:lumMod val="65000"/>
-                    <a:lumOff val="35000"/>
-                  </a:schemeClr>
-                </a:solidFill>
-                <a:latin typeface="Courier New" panose="02070309020205020404" pitchFamily="49" charset="0"/>
-                <a:cs typeface="Courier New" panose="02070309020205020404" pitchFamily="49" charset="0"/>
-              </a:rPr>
-              <a:t>POST</a:t>
-            </a:r>
-            <a:r>
-              <a:rPr lang="en-US" sz="1400" dirty="0">
-                <a:solidFill>
-                  <a:schemeClr val="tx1">
-                    <a:lumMod val="65000"/>
-                    <a:lumOff val="35000"/>
-                  </a:schemeClr>
-                </a:solidFill>
-              </a:rPr>
-              <a:t> /</a:t>
-            </a:r>
-            <a:r>
-              <a:rPr lang="en-US" sz="1400" dirty="0" err="1">
-                <a:solidFill>
-                  <a:schemeClr val="tx1">
-                    <a:lumMod val="65000"/>
-                    <a:lumOff val="35000"/>
-                  </a:schemeClr>
-                </a:solidFill>
-              </a:rPr>
-              <a:t>favoritos</a:t>
-            </a:r>
-            <a:r>
-              <a:rPr lang="en-US" sz="1400" dirty="0">
-                <a:solidFill>
-                  <a:schemeClr val="tx1">
-                    <a:lumMod val="65000"/>
-                    <a:lumOff val="35000"/>
-                  </a:schemeClr>
-                </a:solidFill>
-              </a:rPr>
-              <a:t> </a:t>
-            </a:r>
-            <a:r>
-              <a:rPr lang="en-US" sz="1400" dirty="0" err="1">
-                <a:solidFill>
-                  <a:schemeClr val="tx1">
-                    <a:lumMod val="65000"/>
-                    <a:lumOff val="35000"/>
-                  </a:schemeClr>
-                </a:solidFill>
-              </a:rPr>
-              <a:t>definido</a:t>
-            </a:r>
-            <a:r>
-              <a:rPr lang="en-US" sz="1400" dirty="0">
-                <a:solidFill>
-                  <a:schemeClr val="tx1">
-                    <a:lumMod val="65000"/>
-                    <a:lumOff val="35000"/>
-                  </a:schemeClr>
-                </a:solidFill>
-              </a:rPr>
-              <a:t> no </a:t>
-            </a:r>
-            <a:r>
-              <a:rPr lang="en-US" sz="1400" dirty="0" err="1">
-                <a:solidFill>
-                  <a:schemeClr val="tx1">
-                    <a:lumMod val="65000"/>
-                    <a:lumOff val="35000"/>
-                  </a:schemeClr>
-                </a:solidFill>
-              </a:rPr>
-              <a:t>ficheiro</a:t>
-            </a:r>
-            <a:r>
-              <a:rPr lang="en-US" sz="1400" dirty="0">
-                <a:solidFill>
-                  <a:schemeClr val="tx1">
-                    <a:lumMod val="65000"/>
-                    <a:lumOff val="35000"/>
-                  </a:schemeClr>
-                </a:solidFill>
-              </a:rPr>
-              <a:t> </a:t>
-            </a:r>
-            <a:r>
-              <a:rPr lang="en-US" sz="1400" dirty="0" err="1">
-                <a:solidFill>
-                  <a:schemeClr val="tx1">
-                    <a:lumMod val="65000"/>
-                    <a:lumOff val="35000"/>
-                  </a:schemeClr>
-                </a:solidFill>
-              </a:rPr>
-              <a:t>OpenAPI</a:t>
-            </a:r>
-            <a:endParaRPr lang="en-US" sz="1400" dirty="0">
-              <a:solidFill>
-                <a:schemeClr val="tx1">
-                  <a:lumMod val="65000"/>
-                  <a:lumOff val="35000"/>
-                </a:schemeClr>
-              </a:solidFill>
-            </a:endParaRPr>
-          </a:p>
-          <a:p>
-            <a:pPr defTabSz="914400">
-              <a:spcBef>
-                <a:spcPts val="700"/>
-              </a:spcBef>
-              <a:buClr>
-                <a:schemeClr val="tx2"/>
-              </a:buClr>
-            </a:pPr>
-            <a:r>
-              <a:rPr lang="en-US" sz="1400" dirty="0" err="1">
-                <a:solidFill>
-                  <a:schemeClr val="tx1">
-                    <a:lumMod val="65000"/>
-                    <a:lumOff val="35000"/>
-                  </a:schemeClr>
-                </a:solidFill>
-              </a:rPr>
-              <a:t>Recebe</a:t>
-            </a:r>
-            <a:r>
-              <a:rPr lang="en-US" sz="1400" dirty="0">
-                <a:solidFill>
-                  <a:schemeClr val="tx1">
-                    <a:lumMod val="65000"/>
-                    <a:lumOff val="35000"/>
-                  </a:schemeClr>
-                </a:solidFill>
-              </a:rPr>
-              <a:t> no body </a:t>
-            </a:r>
-            <a:r>
-              <a:rPr lang="en-US" sz="1400" dirty="0" err="1">
-                <a:solidFill>
-                  <a:schemeClr val="tx1">
-                    <a:lumMod val="65000"/>
-                    <a:lumOff val="35000"/>
-                  </a:schemeClr>
-                </a:solidFill>
-              </a:rPr>
-              <a:t>uma</a:t>
-            </a:r>
-            <a:r>
-              <a:rPr lang="en-US" sz="1400" dirty="0">
-                <a:solidFill>
-                  <a:schemeClr val="tx1">
-                    <a:lumMod val="65000"/>
-                    <a:lumOff val="35000"/>
-                  </a:schemeClr>
-                </a:solidFill>
-              </a:rPr>
-              <a:t> </a:t>
-            </a:r>
-            <a:r>
-              <a:rPr lang="en-US" sz="1400" b="1" dirty="0" err="1">
-                <a:solidFill>
-                  <a:schemeClr val="tx1">
-                    <a:lumMod val="65000"/>
-                    <a:lumOff val="35000"/>
-                  </a:schemeClr>
-                </a:solidFill>
-              </a:rPr>
-              <a:t>lista</a:t>
-            </a:r>
-            <a:r>
-              <a:rPr lang="en-US" sz="1400" dirty="0">
-                <a:solidFill>
-                  <a:schemeClr val="tx1">
-                    <a:lumMod val="65000"/>
-                    <a:lumOff val="35000"/>
-                  </a:schemeClr>
-                </a:solidFill>
-              </a:rPr>
-              <a:t> de </a:t>
-            </a:r>
-            <a:r>
-              <a:rPr lang="en-US" sz="1400" dirty="0" err="1">
-                <a:solidFill>
-                  <a:schemeClr val="tx1">
-                    <a:lumMod val="65000"/>
-                    <a:lumOff val="35000"/>
-                  </a:schemeClr>
-                </a:solidFill>
-              </a:rPr>
-              <a:t>favoritos</a:t>
-            </a:r>
-            <a:r>
-              <a:rPr lang="en-US" sz="1400" dirty="0">
-                <a:solidFill>
-                  <a:schemeClr val="tx1">
-                    <a:lumMod val="65000"/>
-                    <a:lumOff val="35000"/>
-                  </a:schemeClr>
-                </a:solidFill>
-              </a:rPr>
-              <a:t> ([{ </a:t>
-            </a:r>
-            <a:r>
-              <a:rPr lang="en-US" sz="1400" dirty="0" err="1">
-                <a:solidFill>
-                  <a:schemeClr val="tx1">
-                    <a:lumMod val="65000"/>
-                    <a:lumOff val="35000"/>
-                  </a:schemeClr>
-                </a:solidFill>
-              </a:rPr>
-              <a:t>id_cliente</a:t>
-            </a:r>
-            <a:r>
-              <a:rPr lang="en-US" sz="1400" dirty="0">
-                <a:solidFill>
-                  <a:schemeClr val="tx1">
-                    <a:lumMod val="65000"/>
-                    <a:lumOff val="35000"/>
-                  </a:schemeClr>
-                </a:solidFill>
-              </a:rPr>
-              <a:t>, </a:t>
-            </a:r>
-            <a:r>
-              <a:rPr lang="en-US" sz="1400" dirty="0" err="1">
-                <a:solidFill>
-                  <a:schemeClr val="tx1">
-                    <a:lumMod val="65000"/>
-                    <a:lumOff val="35000"/>
-                  </a:schemeClr>
-                </a:solidFill>
-              </a:rPr>
-              <a:t>id_veiculo</a:t>
-            </a:r>
-            <a:r>
-              <a:rPr lang="en-US" sz="1400" dirty="0">
-                <a:solidFill>
-                  <a:schemeClr val="tx1">
-                    <a:lumMod val="65000"/>
-                    <a:lumOff val="35000"/>
-                  </a:schemeClr>
-                </a:solidFill>
-              </a:rPr>
-              <a:t> }, ...])</a:t>
-            </a:r>
-          </a:p>
-          <a:p>
-            <a:pPr defTabSz="914400">
-              <a:spcBef>
-                <a:spcPts val="700"/>
-              </a:spcBef>
-              <a:buClr>
-                <a:schemeClr val="tx2"/>
-              </a:buClr>
-            </a:pPr>
-            <a:endParaRPr lang="en-US" sz="1400" dirty="0">
-              <a:solidFill>
-                <a:schemeClr val="tx1">
-                  <a:lumMod val="65000"/>
-                  <a:lumOff val="35000"/>
-                </a:schemeClr>
-              </a:solidFill>
-            </a:endParaRPr>
-          </a:p>
-          <a:p>
-            <a:pPr defTabSz="914400">
-              <a:spcBef>
-                <a:spcPts val="700"/>
-              </a:spcBef>
-              <a:buClr>
-                <a:schemeClr val="tx2"/>
-              </a:buClr>
-            </a:pPr>
-            <a:r>
-              <a:rPr lang="en-US" sz="1400" dirty="0" err="1">
-                <a:solidFill>
-                  <a:schemeClr val="tx1">
-                    <a:lumMod val="65000"/>
-                    <a:lumOff val="35000"/>
-                  </a:schemeClr>
-                </a:solidFill>
-              </a:rPr>
-              <a:t>Validação</a:t>
-            </a:r>
-            <a:r>
-              <a:rPr lang="en-US" sz="1400" dirty="0">
-                <a:solidFill>
-                  <a:schemeClr val="tx1">
-                    <a:lumMod val="65000"/>
-                    <a:lumOff val="35000"/>
-                  </a:schemeClr>
-                </a:solidFill>
-              </a:rPr>
-              <a:t> </a:t>
-            </a:r>
-            <a:r>
-              <a:rPr lang="en-US" sz="1400" dirty="0" err="1">
-                <a:solidFill>
-                  <a:schemeClr val="tx1">
-                    <a:lumMod val="65000"/>
-                    <a:lumOff val="35000"/>
-                  </a:schemeClr>
-                </a:solidFill>
-              </a:rPr>
-              <a:t>inicial</a:t>
-            </a:r>
-            <a:r>
-              <a:rPr lang="en-US" sz="1400" dirty="0">
-                <a:solidFill>
-                  <a:schemeClr val="tx1">
-                    <a:lumMod val="65000"/>
-                    <a:lumOff val="35000"/>
-                  </a:schemeClr>
-                </a:solidFill>
-              </a:rPr>
-              <a:t>: se </a:t>
-            </a:r>
-            <a:r>
-              <a:rPr lang="en-US" sz="1400" dirty="0" err="1">
-                <a:solidFill>
-                  <a:schemeClr val="tx1">
-                    <a:lumMod val="65000"/>
-                    <a:lumOff val="35000"/>
-                  </a:schemeClr>
-                </a:solidFill>
-              </a:rPr>
-              <a:t>não</a:t>
-            </a:r>
-            <a:r>
-              <a:rPr lang="en-US" sz="1400" dirty="0">
-                <a:solidFill>
-                  <a:schemeClr val="tx1">
-                    <a:lumMod val="65000"/>
-                    <a:lumOff val="35000"/>
-                  </a:schemeClr>
-                </a:solidFill>
-              </a:rPr>
-              <a:t> for array </a:t>
-            </a:r>
-            <a:r>
-              <a:rPr lang="en-US" sz="1400" dirty="0" err="1">
-                <a:solidFill>
-                  <a:schemeClr val="tx1">
-                    <a:lumMod val="65000"/>
-                    <a:lumOff val="35000"/>
-                  </a:schemeClr>
-                </a:solidFill>
-              </a:rPr>
-              <a:t>ou</a:t>
-            </a:r>
-            <a:r>
-              <a:rPr lang="en-US" sz="1400" dirty="0">
-                <a:solidFill>
-                  <a:schemeClr val="tx1">
-                    <a:lumMod val="65000"/>
-                    <a:lumOff val="35000"/>
-                  </a:schemeClr>
-                </a:solidFill>
-              </a:rPr>
-              <a:t> </a:t>
-            </a:r>
-            <a:r>
-              <a:rPr lang="en-US" sz="1400" dirty="0" err="1">
-                <a:solidFill>
-                  <a:schemeClr val="tx1">
-                    <a:lumMod val="65000"/>
-                    <a:lumOff val="35000"/>
-                  </a:schemeClr>
-                </a:solidFill>
-              </a:rPr>
-              <a:t>estiver</a:t>
-            </a:r>
-            <a:r>
-              <a:rPr lang="en-US" sz="1400" dirty="0">
-                <a:solidFill>
-                  <a:schemeClr val="tx1">
-                    <a:lumMod val="65000"/>
-                    <a:lumOff val="35000"/>
-                  </a:schemeClr>
-                </a:solidFill>
-              </a:rPr>
-              <a:t> </a:t>
-            </a:r>
-            <a:r>
-              <a:rPr lang="en-US" sz="1400" dirty="0" err="1">
-                <a:solidFill>
-                  <a:schemeClr val="tx1">
-                    <a:lumMod val="65000"/>
-                    <a:lumOff val="35000"/>
-                  </a:schemeClr>
-                </a:solidFill>
-              </a:rPr>
-              <a:t>vazio</a:t>
-            </a:r>
-            <a:r>
-              <a:rPr lang="en-US" sz="1400" dirty="0">
-                <a:solidFill>
-                  <a:schemeClr val="tx1">
-                    <a:lumMod val="65000"/>
-                    <a:lumOff val="35000"/>
-                  </a:schemeClr>
-                </a:solidFill>
-              </a:rPr>
-              <a:t> → </a:t>
-            </a:r>
-            <a:r>
-              <a:rPr lang="en-US" sz="1400" dirty="0" err="1">
-                <a:solidFill>
-                  <a:schemeClr val="tx1">
-                    <a:lumMod val="65000"/>
-                    <a:lumOff val="35000"/>
-                  </a:schemeClr>
-                </a:solidFill>
-              </a:rPr>
-              <a:t>resposta</a:t>
-            </a:r>
-            <a:r>
-              <a:rPr lang="en-US" sz="1400" dirty="0">
-                <a:solidFill>
-                  <a:schemeClr val="tx1">
-                    <a:lumMod val="65000"/>
-                    <a:lumOff val="35000"/>
-                  </a:schemeClr>
-                </a:solidFill>
-              </a:rPr>
-              <a:t> </a:t>
-            </a:r>
-            <a:r>
-              <a:rPr lang="en-US" sz="1400" i="1" dirty="0">
-                <a:solidFill>
-                  <a:schemeClr val="tx1">
-                    <a:lumMod val="65000"/>
-                    <a:lumOff val="35000"/>
-                  </a:schemeClr>
-                </a:solidFill>
-              </a:rPr>
-              <a:t>400 Bad Request</a:t>
-            </a:r>
-          </a:p>
-          <a:p>
-            <a:pPr indent="-228600" defTabSz="914400">
-              <a:spcBef>
-                <a:spcPts val="700"/>
-              </a:spcBef>
-              <a:buClr>
-                <a:schemeClr val="tx2"/>
-              </a:buClr>
-              <a:buFont typeface="Arial" panose="020B0604020202020204" pitchFamily="34" charset="0"/>
-              <a:buChar char="•"/>
-            </a:pPr>
-            <a:endParaRPr lang="en-US" sz="1400" dirty="0">
-              <a:solidFill>
-                <a:schemeClr val="tx1">
-                  <a:lumMod val="65000"/>
-                  <a:lumOff val="35000"/>
-                </a:schemeClr>
-              </a:solidFill>
-            </a:endParaRPr>
-          </a:p>
-          <a:p>
-            <a:pPr defTabSz="914400">
-              <a:spcBef>
-                <a:spcPts val="700"/>
-              </a:spcBef>
-              <a:buClr>
-                <a:schemeClr val="tx2"/>
-              </a:buClr>
-            </a:pPr>
-            <a:r>
-              <a:rPr lang="en-US" sz="1400" dirty="0" err="1">
-                <a:solidFill>
-                  <a:schemeClr val="tx1">
-                    <a:lumMod val="65000"/>
-                    <a:lumOff val="35000"/>
-                  </a:schemeClr>
-                </a:solidFill>
-              </a:rPr>
-              <a:t>Construção</a:t>
-            </a:r>
-            <a:r>
-              <a:rPr lang="en-US" sz="1400" dirty="0">
-                <a:solidFill>
-                  <a:schemeClr val="tx1">
-                    <a:lumMod val="65000"/>
-                    <a:lumOff val="35000"/>
-                  </a:schemeClr>
-                </a:solidFill>
-              </a:rPr>
-              <a:t> de um </a:t>
-            </a:r>
-            <a:r>
-              <a:rPr lang="en-US" sz="1400" b="1" i="1" dirty="0">
-                <a:solidFill>
-                  <a:schemeClr val="tx1">
-                    <a:lumMod val="65000"/>
-                    <a:lumOff val="35000"/>
-                  </a:schemeClr>
-                </a:solidFill>
-              </a:rPr>
-              <a:t>INSERT</a:t>
-            </a:r>
-            <a:r>
-              <a:rPr lang="en-US" sz="1400" b="1" dirty="0">
-                <a:solidFill>
-                  <a:schemeClr val="tx1">
-                    <a:lumMod val="65000"/>
-                    <a:lumOff val="35000"/>
-                  </a:schemeClr>
-                </a:solidFill>
-              </a:rPr>
-              <a:t> </a:t>
-            </a:r>
-            <a:r>
-              <a:rPr lang="en-US" sz="1400" b="1" dirty="0" err="1">
-                <a:solidFill>
-                  <a:schemeClr val="tx1">
-                    <a:lumMod val="65000"/>
-                    <a:lumOff val="35000"/>
-                  </a:schemeClr>
-                </a:solidFill>
-              </a:rPr>
-              <a:t>em</a:t>
-            </a:r>
-            <a:r>
-              <a:rPr lang="en-US" sz="1400" b="1" dirty="0">
-                <a:solidFill>
-                  <a:schemeClr val="tx1">
-                    <a:lumMod val="65000"/>
-                    <a:lumOff val="35000"/>
-                  </a:schemeClr>
-                </a:solidFill>
-              </a:rPr>
-              <a:t> </a:t>
-            </a:r>
-            <a:r>
-              <a:rPr lang="en-US" sz="1400" b="1" i="1" dirty="0">
-                <a:solidFill>
-                  <a:schemeClr val="tx1">
-                    <a:lumMod val="65000"/>
-                    <a:lumOff val="35000"/>
-                  </a:schemeClr>
-                </a:solidFill>
-              </a:rPr>
-              <a:t>batch</a:t>
-            </a:r>
-            <a:r>
-              <a:rPr lang="en-US" sz="1400" dirty="0">
-                <a:solidFill>
-                  <a:schemeClr val="tx1">
-                    <a:lumMod val="65000"/>
-                    <a:lumOff val="35000"/>
-                  </a:schemeClr>
-                </a:solidFill>
-              </a:rPr>
-              <a:t> </a:t>
-            </a:r>
-            <a:r>
-              <a:rPr lang="en-US" sz="1400" dirty="0" err="1">
-                <a:solidFill>
-                  <a:schemeClr val="tx1">
-                    <a:lumMod val="65000"/>
-                    <a:lumOff val="35000"/>
-                  </a:schemeClr>
-                </a:solidFill>
-              </a:rPr>
-              <a:t>na</a:t>
-            </a:r>
-            <a:r>
-              <a:rPr lang="en-US" sz="1400" dirty="0">
-                <a:solidFill>
-                  <a:schemeClr val="tx1">
-                    <a:lumMod val="65000"/>
-                    <a:lumOff val="35000"/>
-                  </a:schemeClr>
-                </a:solidFill>
-              </a:rPr>
-              <a:t> </a:t>
-            </a:r>
-            <a:r>
-              <a:rPr lang="en-US" sz="1400" dirty="0" err="1">
-                <a:solidFill>
-                  <a:schemeClr val="tx1">
-                    <a:lumMod val="65000"/>
-                    <a:lumOff val="35000"/>
-                  </a:schemeClr>
-                </a:solidFill>
-              </a:rPr>
-              <a:t>tabela</a:t>
-            </a:r>
-            <a:r>
-              <a:rPr lang="en-US" sz="1400" dirty="0">
-                <a:solidFill>
-                  <a:schemeClr val="tx1">
-                    <a:lumMod val="65000"/>
-                    <a:lumOff val="35000"/>
-                  </a:schemeClr>
-                </a:solidFill>
-              </a:rPr>
-              <a:t> </a:t>
-            </a:r>
-            <a:r>
-              <a:rPr lang="en-US" sz="1400" dirty="0" err="1">
-                <a:solidFill>
-                  <a:schemeClr val="tx1">
-                    <a:lumMod val="65000"/>
-                    <a:lumOff val="35000"/>
-                  </a:schemeClr>
-                </a:solidFill>
-              </a:rPr>
-              <a:t>clientes_favoritos</a:t>
-            </a:r>
-            <a:r>
-              <a:rPr lang="en-US" sz="1400" dirty="0">
-                <a:solidFill>
-                  <a:schemeClr val="tx1">
-                    <a:lumMod val="65000"/>
-                    <a:lumOff val="35000"/>
-                  </a:schemeClr>
-                </a:solidFill>
-              </a:rPr>
-              <a:t> com VALUES ?</a:t>
-            </a:r>
-          </a:p>
-          <a:p>
-            <a:pPr defTabSz="914400">
-              <a:spcBef>
-                <a:spcPts val="700"/>
-              </a:spcBef>
-              <a:buClr>
-                <a:schemeClr val="tx2"/>
-              </a:buClr>
-            </a:pPr>
-            <a:r>
-              <a:rPr lang="en-US" sz="1400" dirty="0" err="1">
-                <a:solidFill>
-                  <a:schemeClr val="tx1">
-                    <a:lumMod val="65000"/>
-                    <a:lumOff val="35000"/>
-                  </a:schemeClr>
-                </a:solidFill>
-              </a:rPr>
-              <a:t>Tratamento</a:t>
-            </a:r>
-            <a:r>
-              <a:rPr lang="en-US" sz="1400" dirty="0">
-                <a:solidFill>
-                  <a:schemeClr val="tx1">
-                    <a:lumMod val="65000"/>
-                    <a:lumOff val="35000"/>
-                  </a:schemeClr>
-                </a:solidFill>
-              </a:rPr>
-              <a:t> de </a:t>
-            </a:r>
-            <a:r>
-              <a:rPr lang="en-US" sz="1400" dirty="0" err="1">
-                <a:solidFill>
-                  <a:schemeClr val="tx1">
-                    <a:lumMod val="65000"/>
-                    <a:lumOff val="35000"/>
-                  </a:schemeClr>
-                </a:solidFill>
-              </a:rPr>
-              <a:t>erros</a:t>
-            </a:r>
-            <a:r>
-              <a:rPr lang="en-US" sz="1400" dirty="0">
-                <a:solidFill>
-                  <a:schemeClr val="tx1">
-                    <a:lumMod val="65000"/>
-                    <a:lumOff val="35000"/>
-                  </a:schemeClr>
-                </a:solidFill>
-              </a:rPr>
-              <a:t>:</a:t>
-            </a:r>
-          </a:p>
-          <a:p>
-            <a:pPr defTabSz="914400">
-              <a:spcBef>
-                <a:spcPts val="700"/>
-              </a:spcBef>
-              <a:buClr>
-                <a:schemeClr val="tx2"/>
-              </a:buClr>
-            </a:pPr>
-            <a:r>
-              <a:rPr lang="en-US" sz="1400" dirty="0">
-                <a:solidFill>
-                  <a:schemeClr val="tx1">
-                    <a:lumMod val="65000"/>
-                    <a:lumOff val="35000"/>
-                  </a:schemeClr>
-                </a:solidFill>
-              </a:rPr>
-              <a:t>ER_DUP_ENTRY → </a:t>
-            </a:r>
-            <a:r>
-              <a:rPr lang="en-US" sz="1400" dirty="0" err="1">
-                <a:solidFill>
-                  <a:schemeClr val="tx1">
-                    <a:lumMod val="65000"/>
-                    <a:lumOff val="35000"/>
-                  </a:schemeClr>
-                </a:solidFill>
-              </a:rPr>
-              <a:t>relação</a:t>
-            </a:r>
-            <a:r>
-              <a:rPr lang="en-US" sz="1400" dirty="0">
-                <a:solidFill>
-                  <a:schemeClr val="tx1">
-                    <a:lumMod val="65000"/>
-                    <a:lumOff val="35000"/>
-                  </a:schemeClr>
-                </a:solidFill>
-              </a:rPr>
-              <a:t> </a:t>
-            </a:r>
-            <a:r>
-              <a:rPr lang="en-US" sz="1400" dirty="0" err="1">
-                <a:solidFill>
-                  <a:schemeClr val="tx1">
-                    <a:lumMod val="65000"/>
-                    <a:lumOff val="35000"/>
-                  </a:schemeClr>
-                </a:solidFill>
-              </a:rPr>
-              <a:t>já</a:t>
-            </a:r>
-            <a:r>
-              <a:rPr lang="en-US" sz="1400" dirty="0">
-                <a:solidFill>
-                  <a:schemeClr val="tx1">
-                    <a:lumMod val="65000"/>
-                    <a:lumOff val="35000"/>
-                  </a:schemeClr>
-                </a:solidFill>
-              </a:rPr>
-              <a:t> </a:t>
-            </a:r>
-            <a:r>
-              <a:rPr lang="en-US" sz="1400" dirty="0" err="1">
-                <a:solidFill>
-                  <a:schemeClr val="tx1">
-                    <a:lumMod val="65000"/>
-                    <a:lumOff val="35000"/>
-                  </a:schemeClr>
-                </a:solidFill>
-              </a:rPr>
-              <a:t>existe</a:t>
-            </a:r>
-            <a:r>
-              <a:rPr lang="en-US" sz="1400" dirty="0">
-                <a:solidFill>
-                  <a:schemeClr val="tx1">
-                    <a:lumMod val="65000"/>
-                    <a:lumOff val="35000"/>
-                  </a:schemeClr>
-                </a:solidFill>
-              </a:rPr>
-              <a:t> → </a:t>
-            </a:r>
-            <a:r>
-              <a:rPr lang="en-US" sz="1400" dirty="0" err="1">
-                <a:solidFill>
-                  <a:schemeClr val="tx1">
-                    <a:lumMod val="65000"/>
-                    <a:lumOff val="35000"/>
-                  </a:schemeClr>
-                </a:solidFill>
-              </a:rPr>
-              <a:t>resposta</a:t>
-            </a:r>
-            <a:r>
-              <a:rPr lang="en-US" sz="1400" dirty="0">
-                <a:solidFill>
-                  <a:schemeClr val="tx1">
-                    <a:lumMod val="65000"/>
-                    <a:lumOff val="35000"/>
-                  </a:schemeClr>
-                </a:solidFill>
-              </a:rPr>
-              <a:t> 400</a:t>
-            </a:r>
-          </a:p>
-          <a:p>
-            <a:pPr defTabSz="914400">
-              <a:spcBef>
-                <a:spcPts val="700"/>
-              </a:spcBef>
-              <a:buClr>
-                <a:schemeClr val="tx2"/>
-              </a:buClr>
-            </a:pPr>
-            <a:r>
-              <a:rPr lang="en-US" sz="1400" dirty="0">
-                <a:solidFill>
-                  <a:schemeClr val="tx1">
-                    <a:lumMod val="65000"/>
-                    <a:lumOff val="35000"/>
-                  </a:schemeClr>
-                </a:solidFill>
-              </a:rPr>
-              <a:t>Outros </a:t>
-            </a:r>
-            <a:r>
-              <a:rPr lang="en-US" sz="1400" dirty="0" err="1">
-                <a:solidFill>
-                  <a:schemeClr val="tx1">
-                    <a:lumMod val="65000"/>
-                    <a:lumOff val="35000"/>
-                  </a:schemeClr>
-                </a:solidFill>
-              </a:rPr>
-              <a:t>erros</a:t>
-            </a:r>
-            <a:r>
-              <a:rPr lang="en-US" sz="1400" dirty="0">
-                <a:solidFill>
-                  <a:schemeClr val="tx1">
-                    <a:lumMod val="65000"/>
-                    <a:lumOff val="35000"/>
-                  </a:schemeClr>
-                </a:solidFill>
-              </a:rPr>
-              <a:t> → </a:t>
-            </a:r>
-            <a:r>
-              <a:rPr lang="en-US" sz="1400" dirty="0" err="1">
-                <a:solidFill>
-                  <a:schemeClr val="tx1">
-                    <a:lumMod val="65000"/>
-                    <a:lumOff val="35000"/>
-                  </a:schemeClr>
-                </a:solidFill>
-              </a:rPr>
-              <a:t>resposta</a:t>
-            </a:r>
-            <a:r>
-              <a:rPr lang="en-US" sz="1400" dirty="0">
-                <a:solidFill>
-                  <a:schemeClr val="tx1">
-                    <a:lumMod val="65000"/>
-                    <a:lumOff val="35000"/>
-                  </a:schemeClr>
-                </a:solidFill>
-              </a:rPr>
-              <a:t> 500 com </a:t>
-            </a:r>
-            <a:r>
-              <a:rPr lang="en-US" sz="1400" dirty="0" err="1">
-                <a:solidFill>
-                  <a:schemeClr val="tx1">
-                    <a:lumMod val="65000"/>
-                    <a:lumOff val="35000"/>
-                  </a:schemeClr>
-                </a:solidFill>
-              </a:rPr>
-              <a:t>mensagem</a:t>
-            </a:r>
-            <a:r>
-              <a:rPr lang="en-US" sz="1400" dirty="0">
-                <a:solidFill>
-                  <a:schemeClr val="tx1">
-                    <a:lumMod val="65000"/>
-                    <a:lumOff val="35000"/>
-                  </a:schemeClr>
-                </a:solidFill>
-              </a:rPr>
-              <a:t> da BD</a:t>
-            </a:r>
-          </a:p>
-        </p:txBody>
-      </p:sp>
-      <p:pic>
-        <p:nvPicPr>
-          <p:cNvPr id="7" name="Imagem 6" descr="Uma imagem com texto, captura de ecrã, ecrã, software&#10;&#10;Os conteúdos gerados por IA podem estar incorretos.">
-            <a:extLst>
-              <a:ext uri="{FF2B5EF4-FFF2-40B4-BE49-F238E27FC236}">
-                <a16:creationId xmlns:a16="http://schemas.microsoft.com/office/drawing/2014/main" id="{CA4405EA-1C0B-792E-559C-66162ABD7720}"/>
-              </a:ext>
-            </a:extLst>
-          </p:cNvPr>
-          <p:cNvPicPr>
-            <a:picLocks noChangeAspect="1"/>
-          </p:cNvPicPr>
-          <p:nvPr/>
-        </p:nvPicPr>
-        <p:blipFill>
-          <a:blip r:embed="rId2">
-            <a:extLst>
-              <a:ext uri="{28A0092B-C50C-407E-A947-70E740481C1C}">
-                <a14:useLocalDpi xmlns:a14="http://schemas.microsoft.com/office/drawing/2010/main" val="0"/>
-              </a:ext>
-            </a:extLst>
-          </a:blip>
-          <a:srcRect t="402" r="2" b="1384"/>
-          <a:stretch>
-            <a:fillRect/>
-          </a:stretch>
-        </p:blipFill>
-        <p:spPr>
-          <a:xfrm>
-            <a:off x="5279472" y="645107"/>
-            <a:ext cx="5995465" cy="5594047"/>
-          </a:xfrm>
-          <a:prstGeom prst="rect">
-            <a:avLst/>
-          </a:prstGeom>
-        </p:spPr>
-      </p:pic>
-      <p:sp>
-        <p:nvSpPr>
-          <p:cNvPr id="11" name="Marcador de Posição do Número do Diapositivo 10">
-            <a:extLst>
-              <a:ext uri="{FF2B5EF4-FFF2-40B4-BE49-F238E27FC236}">
-                <a16:creationId xmlns:a16="http://schemas.microsoft.com/office/drawing/2014/main" id="{591A6B32-2577-5050-3254-EA83794B9486}"/>
+                <a16:creationId xmlns:a16="http://schemas.microsoft.com/office/drawing/2014/main" id="{2B3CEA11-38AC-9435-8F09-C2FEF6BAE345}"/>
               </a:ext>
             </a:extLst>
           </p:cNvPr>
@@ -26530,40 +25677,247 @@
             <p:ph type="sldNum" sz="quarter" idx="12"/>
           </p:nvPr>
         </p:nvSpPr>
+        <p:spPr/>
+        <p:txBody>
+          <a:bodyPr/>
+          <a:lstStyle/>
+          <a:p>
+            <a:fld id="{F551A59A-BC5D-4217-BF19-535FB90BF39B}" type="slidenum">
+              <a:rPr lang="pt-PT" smtClean="0"/>
+              <a:t>23</a:t>
+            </a:fld>
+            <a:endParaRPr lang="pt-PT"/>
+          </a:p>
+        </p:txBody>
+      </p:sp>
+      <p:sp>
+        <p:nvSpPr>
+          <p:cNvPr id="6" name="CaixaDeTexto 5">
+            <a:extLst>
+              <a:ext uri="{FF2B5EF4-FFF2-40B4-BE49-F238E27FC236}">
+                <a16:creationId xmlns:a16="http://schemas.microsoft.com/office/drawing/2014/main" id="{9301CA46-92A5-EADB-31AB-C4FF2EC3FA83}"/>
+              </a:ext>
+            </a:extLst>
+          </p:cNvPr>
+          <p:cNvSpPr txBox="1"/>
+          <p:nvPr/>
+        </p:nvSpPr>
         <p:spPr>
           <a:xfrm>
-            <a:off x="8610601" y="6375679"/>
-            <a:ext cx="2819399" cy="345796"/>
+            <a:off x="1343742" y="466369"/>
+            <a:ext cx="9006758" cy="5632311"/>
           </a:xfrm>
+          <a:prstGeom prst="rect">
+            <a:avLst/>
+          </a:prstGeom>
+          <a:noFill/>
         </p:spPr>
         <p:txBody>
-          <a:bodyPr vert="horz" lIns="91440" tIns="45720" rIns="91440" bIns="45720" rtlCol="0" anchor="ctr">
-            <a:normAutofit/>
+          <a:bodyPr wrap="square">
+            <a:spAutoFit/>
           </a:bodyPr>
           <a:lstStyle/>
           <a:p>
-            <a:pPr defTabSz="914400">
-              <a:spcAft>
-                <a:spcPts val="600"/>
-              </a:spcAft>
+            <a:pPr>
+              <a:buNone/>
             </a:pPr>
-            <a:fld id="{F551A59A-BC5D-4217-BF19-535FB90BF39B}" type="slidenum">
-              <a:rPr lang="en-US" smtClean="0"/>
-              <a:pPr defTabSz="914400">
-                <a:spcAft>
-                  <a:spcPts val="600"/>
-                </a:spcAft>
-              </a:pPr>
-              <a:t>23</a:t>
-            </a:fld>
-            <a:endParaRPr lang="en-US"/>
+            <a:r>
+              <a:rPr lang="pt-PT" b="1" dirty="0"/>
+              <a:t>Regras de Negócio  (Operações DELETE)</a:t>
+            </a:r>
+            <a:endParaRPr lang="pt-PT" dirty="0"/>
+          </a:p>
+          <a:p>
+            <a:endParaRPr lang="pt-PT" b="1" dirty="0"/>
+          </a:p>
+          <a:p>
+            <a:r>
+              <a:rPr lang="pt-PT" b="1" dirty="0"/>
+              <a:t>Veículos</a:t>
+            </a:r>
+            <a:endParaRPr lang="pt-PT" dirty="0"/>
+          </a:p>
+          <a:p>
+            <a:pPr lvl="1"/>
+            <a:r>
+              <a:rPr lang="pt-PT" dirty="0"/>
+              <a:t>Podem ser eliminados se:</a:t>
+            </a:r>
+          </a:p>
+          <a:p>
+            <a:pPr marL="1143000" lvl="2" indent="-228600">
+              <a:buFont typeface="Arial" panose="020B0604020202020204" pitchFamily="34" charset="0"/>
+              <a:buChar char="•"/>
+            </a:pPr>
+            <a:r>
+              <a:rPr lang="pt-PT" dirty="0"/>
+              <a:t>Não tiverem reservas associadas, ou</a:t>
+            </a:r>
+          </a:p>
+          <a:p>
+            <a:pPr marL="1143000" lvl="2" indent="-228600">
+              <a:buFont typeface="Arial" panose="020B0604020202020204" pitchFamily="34" charset="0"/>
+              <a:buChar char="•"/>
+            </a:pPr>
+            <a:r>
+              <a:rPr lang="pt-PT" dirty="0"/>
+              <a:t>Todas as reservas associadas estiverem no estado </a:t>
+            </a:r>
+            <a:r>
+              <a:rPr lang="pt-PT" b="1" dirty="0"/>
+              <a:t>“concluída”</a:t>
+            </a:r>
+            <a:r>
+              <a:rPr lang="pt-PT" dirty="0"/>
+              <a:t>.</a:t>
+            </a:r>
+          </a:p>
+          <a:p>
+            <a:pPr lvl="1"/>
+            <a:r>
+              <a:rPr lang="pt-PT" dirty="0"/>
+              <a:t>Não podem ser eliminados se:</a:t>
+            </a:r>
+          </a:p>
+          <a:p>
+            <a:pPr marL="1143000" lvl="2" indent="-228600">
+              <a:buFont typeface="Arial" panose="020B0604020202020204" pitchFamily="34" charset="0"/>
+              <a:buChar char="•"/>
+            </a:pPr>
+            <a:r>
+              <a:rPr lang="pt-PT" dirty="0"/>
+              <a:t>Tiverem reservas </a:t>
+            </a:r>
+            <a:r>
+              <a:rPr lang="pt-PT" b="1" dirty="0"/>
+              <a:t>ativas</a:t>
+            </a:r>
+            <a:r>
+              <a:rPr lang="pt-PT" dirty="0"/>
+              <a:t> ou </a:t>
+            </a:r>
+            <a:r>
+              <a:rPr lang="pt-PT" b="1" dirty="0"/>
+              <a:t>canceladas</a:t>
+            </a:r>
+            <a:r>
+              <a:rPr lang="pt-PT" dirty="0"/>
+              <a:t>;</a:t>
+            </a:r>
+          </a:p>
+          <a:p>
+            <a:pPr marL="1143000" lvl="2" indent="-228600">
+              <a:buFont typeface="Arial" panose="020B0604020202020204" pitchFamily="34" charset="0"/>
+              <a:buChar char="•"/>
+            </a:pPr>
+            <a:r>
+              <a:rPr lang="pt-PT" dirty="0"/>
+              <a:t>Tiverem </a:t>
+            </a:r>
+            <a:r>
+              <a:rPr lang="pt-PT" b="1" dirty="0"/>
+              <a:t>manutenções registadas</a:t>
+            </a:r>
+            <a:r>
+              <a:rPr lang="pt-PT" dirty="0"/>
+              <a:t>.</a:t>
+            </a:r>
+          </a:p>
+          <a:p>
+            <a:r>
+              <a:rPr lang="pt-PT" b="1" dirty="0"/>
+              <a:t>Clientes</a:t>
+            </a:r>
+            <a:endParaRPr lang="pt-PT" dirty="0"/>
+          </a:p>
+          <a:p>
+            <a:pPr lvl="1"/>
+            <a:r>
+              <a:rPr lang="pt-PT" dirty="0"/>
+              <a:t>Podem ser eliminados se:</a:t>
+            </a:r>
+          </a:p>
+          <a:p>
+            <a:pPr marL="1143000" lvl="2" indent="-228600">
+              <a:buFont typeface="Arial" panose="020B0604020202020204" pitchFamily="34" charset="0"/>
+              <a:buChar char="•"/>
+            </a:pPr>
+            <a:r>
+              <a:rPr lang="pt-PT" dirty="0"/>
+              <a:t>Não tiverem qualquer reserva associada.</a:t>
+            </a:r>
+          </a:p>
+          <a:p>
+            <a:pPr lvl="1"/>
+            <a:r>
+              <a:rPr lang="pt-PT" dirty="0"/>
+              <a:t>Não podem ser eliminados se:</a:t>
+            </a:r>
+          </a:p>
+          <a:p>
+            <a:pPr marL="1143000" lvl="2" indent="-228600">
+              <a:buFont typeface="Arial" panose="020B0604020202020204" pitchFamily="34" charset="0"/>
+              <a:buChar char="•"/>
+            </a:pPr>
+            <a:r>
+              <a:rPr lang="pt-PT" dirty="0"/>
+              <a:t>Tiverem reservas associadas, independentemente do estado</a:t>
+            </a:r>
+            <a:br>
+              <a:rPr lang="pt-PT" dirty="0"/>
+            </a:br>
+            <a:r>
+              <a:rPr lang="pt-PT" dirty="0"/>
+              <a:t>(ativa, concluída ou cancelada).</a:t>
+            </a:r>
+          </a:p>
+          <a:p>
+            <a:r>
+              <a:rPr lang="pt-PT" b="1" dirty="0"/>
+              <a:t>Funcionários</a:t>
+            </a:r>
+            <a:endParaRPr lang="pt-PT" dirty="0"/>
+          </a:p>
+          <a:p>
+            <a:pPr lvl="1"/>
+            <a:r>
+              <a:rPr lang="pt-PT" dirty="0"/>
+              <a:t>Podem ser eliminados se:</a:t>
+            </a:r>
+          </a:p>
+          <a:p>
+            <a:pPr marL="1143000" lvl="2" indent="-228600">
+              <a:buFont typeface="Arial" panose="020B0604020202020204" pitchFamily="34" charset="0"/>
+              <a:buChar char="•"/>
+            </a:pPr>
+            <a:r>
+              <a:rPr lang="pt-PT" dirty="0"/>
+              <a:t>Não estiverem associados a nenhuma reserva.</a:t>
+            </a:r>
+          </a:p>
+          <a:p>
+            <a:pPr lvl="1"/>
+            <a:r>
+              <a:rPr lang="pt-PT" dirty="0"/>
+              <a:t>Não podem ser eliminados se:</a:t>
+            </a:r>
+          </a:p>
+          <a:p>
+            <a:pPr marL="1143000" lvl="2" indent="-228600">
+              <a:buFont typeface="Arial" panose="020B0604020202020204" pitchFamily="34" charset="0"/>
+              <a:buChar char="•"/>
+            </a:pPr>
+            <a:r>
+              <a:rPr lang="pt-PT" dirty="0"/>
+              <a:t>Tiverem participado no atendimento de pelo menos uma reserva.</a:t>
+            </a:r>
           </a:p>
         </p:txBody>
       </p:sp>
     </p:spTree>
     <p:extLst>
       <p:ext uri="{BB962C8B-B14F-4D97-AF65-F5344CB8AC3E}">
-        <p14:creationId xmlns:p14="http://schemas.microsoft.com/office/powerpoint/2010/main" val="1247075603"/>
+        <p14:creationId xmlns:p14="http://schemas.microsoft.com/office/powerpoint/2010/main" val="3498621228"/>
       </p:ext>
     </p:extLst>
   </p:cSld>
@@ -26619,7 +25973,9 @@
           </a:xfrm>
         </p:spPr>
         <p:txBody>
-          <a:bodyPr/>
+          <a:bodyPr>
+            <a:normAutofit fontScale="90000"/>
+          </a:bodyPr>
           <a:lstStyle/>
           <a:p>
             <a:pPr algn="ctr"/>
@@ -26639,9 +25995,13 @@
               <a:rPr lang="pt-PT" dirty="0"/>
             </a:br>
             <a:r>
-              <a:rPr lang="pt-PT" dirty="0"/>
-              <a:t>[GET /veículos]</a:t>
-            </a:r>
+              <a:rPr lang="pt-PT" b="1" dirty="0"/>
+              <a:t>DELETE /clientes/{id}</a:t>
+            </a:r>
+            <a:br>
+              <a:rPr lang="pt-PT" b="1" dirty="0"/>
+            </a:br>
+            <a:endParaRPr lang="pt-PT" dirty="0"/>
           </a:p>
         </p:txBody>
       </p:sp>
@@ -26732,8 +26092,8 @@
         </p:nvSpPr>
         <p:spPr>
           <a:xfrm>
-            <a:off x="1430788" y="1471708"/>
-            <a:ext cx="3384330" cy="3940844"/>
+            <a:off x="940324" y="1302025"/>
+            <a:ext cx="4950643" cy="3940844"/>
           </a:xfrm>
           <a:prstGeom prst="rect">
             <a:avLst/>
@@ -26741,20 +26101,27 @@
         </p:spPr>
         <p:txBody>
           <a:bodyPr vert="horz" lIns="91440" tIns="45720" rIns="91440" bIns="45720" rtlCol="0">
-            <a:normAutofit fontScale="92500"/>
+            <a:normAutofit fontScale="62500" lnSpcReduction="20000"/>
           </a:bodyPr>
           <a:lstStyle/>
           <a:p>
-            <a:pPr defTabSz="914400">
-              <a:spcBef>
-                <a:spcPts val="700"/>
-              </a:spcBef>
-              <a:buClr>
-                <a:schemeClr val="tx2"/>
-              </a:buClr>
-            </a:pPr>
-            <a:r>
-              <a:rPr lang="en-US" sz="1300" dirty="0" err="1">
+            <a:pPr lvl="1"/>
+            <a:endParaRPr lang="pt-PT" sz="2200" dirty="0">
+              <a:solidFill>
+                <a:schemeClr val="tx1">
+                  <a:lumMod val="65000"/>
+                  <a:lumOff val="35000"/>
+                </a:schemeClr>
+              </a:solidFill>
+            </a:endParaRPr>
+          </a:p>
+          <a:p>
+            <a:r>
+              <a:rPr lang="pt-PT" sz="2000" b="1" dirty="0"/>
+              <a:t>Verificar se o cliente </a:t>
+            </a:r>
+            <a:r>
+              <a:rPr lang="pt-PT" sz="2000" b="1" dirty="0">
                 <a:solidFill>
                   <a:schemeClr val="tx1">
                     <a:lumMod val="65000"/>
@@ -26762,140 +26129,253 @@
                   </a:schemeClr>
                 </a:solidFill>
               </a:rPr>
-              <a:t>Recebe</a:t>
-            </a:r>
-            <a:r>
-              <a:rPr lang="en-US" sz="1300" dirty="0">
-                <a:solidFill>
-                  <a:schemeClr val="tx1">
-                    <a:lumMod val="65000"/>
-                    <a:lumOff val="35000"/>
-                  </a:schemeClr>
-                </a:solidFill>
-              </a:rPr>
-              <a:t> </a:t>
-            </a:r>
-            <a:r>
-              <a:rPr lang="en-US" sz="1300" dirty="0" err="1">
-                <a:solidFill>
-                  <a:schemeClr val="tx1">
-                    <a:lumMod val="65000"/>
-                    <a:lumOff val="35000"/>
-                  </a:schemeClr>
-                </a:solidFill>
-              </a:rPr>
-              <a:t>filtros</a:t>
-            </a:r>
-            <a:r>
-              <a:rPr lang="en-US" sz="1300" dirty="0">
-                <a:solidFill>
-                  <a:schemeClr val="tx1">
-                    <a:lumMod val="65000"/>
-                    <a:lumOff val="35000"/>
-                  </a:schemeClr>
-                </a:solidFill>
-              </a:rPr>
-              <a:t> </a:t>
-            </a:r>
-            <a:r>
-              <a:rPr lang="en-US" sz="1300" dirty="0" err="1">
-                <a:solidFill>
-                  <a:schemeClr val="tx1">
-                    <a:lumMod val="65000"/>
-                    <a:lumOff val="35000"/>
-                  </a:schemeClr>
-                </a:solidFill>
-              </a:rPr>
-              <a:t>opcionais</a:t>
-            </a:r>
-            <a:r>
-              <a:rPr lang="en-US" sz="1300" dirty="0">
-                <a:solidFill>
-                  <a:schemeClr val="tx1">
-                    <a:lumMod val="65000"/>
-                    <a:lumOff val="35000"/>
-                  </a:schemeClr>
-                </a:solidFill>
-              </a:rPr>
-              <a:t> via query string: </a:t>
-            </a:r>
-            <a:r>
-              <a:rPr lang="en-US" sz="1300" i="1" dirty="0" err="1">
-                <a:solidFill>
-                  <a:schemeClr val="tx1">
-                    <a:lumMod val="65000"/>
-                    <a:lumOff val="35000"/>
-                  </a:schemeClr>
-                </a:solidFill>
+              <a:t>existe</a:t>
+            </a:r>
+          </a:p>
+          <a:p>
+            <a:pPr lvl="1"/>
+            <a:r>
+              <a:rPr lang="pt-PT" sz="2000" dirty="0">
                 <a:latin typeface="Courier New" panose="02070309020205020404" pitchFamily="49" charset="0"/>
                 <a:cs typeface="Courier New" panose="02070309020205020404" pitchFamily="49" charset="0"/>
               </a:rPr>
-              <a:t>estado</a:t>
-            </a:r>
-            <a:r>
-              <a:rPr lang="en-US" sz="1300" i="1" dirty="0">
-                <a:solidFill>
-                  <a:schemeClr val="tx1">
-                    <a:lumMod val="65000"/>
-                    <a:lumOff val="35000"/>
-                  </a:schemeClr>
-                </a:solidFill>
+              <a:t>SELECT * FROM </a:t>
+            </a:r>
+            <a:r>
+              <a:rPr lang="pt-PT" sz="2000" dirty="0"/>
+              <a:t>clientes W</a:t>
+            </a:r>
+            <a:r>
+              <a:rPr lang="pt-PT" sz="2000" dirty="0">
                 <a:latin typeface="Courier New" panose="02070309020205020404" pitchFamily="49" charset="0"/>
                 <a:cs typeface="Courier New" panose="02070309020205020404" pitchFamily="49" charset="0"/>
               </a:rPr>
-              <a:t>, </a:t>
-            </a:r>
-            <a:r>
-              <a:rPr lang="en-US" sz="1300" i="1" dirty="0" err="1">
-                <a:solidFill>
-                  <a:schemeClr val="tx1">
-                    <a:lumMod val="65000"/>
-                    <a:lumOff val="35000"/>
-                  </a:schemeClr>
-                </a:solidFill>
+              <a:t>HERE </a:t>
+            </a:r>
+            <a:r>
+              <a:rPr lang="pt-PT" sz="2000" dirty="0" err="1">
                 <a:latin typeface="Courier New" panose="02070309020205020404" pitchFamily="49" charset="0"/>
                 <a:cs typeface="Courier New" panose="02070309020205020404" pitchFamily="49" charset="0"/>
               </a:rPr>
-              <a:t>marca</a:t>
-            </a:r>
-            <a:r>
-              <a:rPr lang="en-US" sz="1300" i="1" dirty="0">
-                <a:solidFill>
-                  <a:schemeClr val="tx1">
-                    <a:lumMod val="65000"/>
-                    <a:lumOff val="35000"/>
-                  </a:schemeClr>
-                </a:solidFill>
+              <a:t>id_cliente</a:t>
+            </a:r>
+            <a:r>
+              <a:rPr lang="pt-PT" sz="2000" dirty="0">
                 <a:latin typeface="Courier New" panose="02070309020205020404" pitchFamily="49" charset="0"/>
                 <a:cs typeface="Courier New" panose="02070309020205020404" pitchFamily="49" charset="0"/>
               </a:rPr>
-              <a:t>, </a:t>
-            </a:r>
-            <a:r>
-              <a:rPr lang="en-US" sz="1300" i="1" dirty="0" err="1">
-                <a:solidFill>
-                  <a:schemeClr val="tx1">
-                    <a:lumMod val="65000"/>
-                    <a:lumOff val="35000"/>
-                  </a:schemeClr>
-                </a:solidFill>
+              <a:t> = ?</a:t>
+            </a:r>
+          </a:p>
+          <a:p>
+            <a:pPr lvl="1"/>
+            <a:r>
+              <a:rPr lang="pt-PT" sz="2000" dirty="0"/>
+              <a:t>Se não existir registo → </a:t>
+            </a:r>
+            <a:r>
+              <a:rPr lang="pt-PT" sz="2000" b="1" dirty="0"/>
+              <a:t>404 Cliente não encontrado</a:t>
+            </a:r>
+            <a:endParaRPr lang="pt-PT" sz="2000" dirty="0"/>
+          </a:p>
+          <a:p>
+            <a:br>
+              <a:rPr lang="pt-PT" sz="2000" dirty="0"/>
+            </a:br>
+            <a:endParaRPr lang="pt-PT" sz="2000" dirty="0"/>
+          </a:p>
+          <a:p>
+            <a:r>
+              <a:rPr lang="pt-PT" sz="2000" b="1" dirty="0"/>
+              <a:t>Verificar se existem reservas não concluídas</a:t>
+            </a:r>
+            <a:endParaRPr lang="pt-PT" sz="2000" dirty="0"/>
+          </a:p>
+          <a:p>
+            <a:pPr lvl="1"/>
+            <a:r>
+              <a:rPr lang="pt-PT" sz="2000" dirty="0">
                 <a:latin typeface="Courier New" panose="02070309020205020404" pitchFamily="49" charset="0"/>
                 <a:cs typeface="Courier New" panose="02070309020205020404" pitchFamily="49" charset="0"/>
               </a:rPr>
-              <a:t>id_categoria</a:t>
-            </a:r>
-            <a:r>
-              <a:rPr lang="en-US" sz="1300" i="1" dirty="0">
-                <a:solidFill>
-                  <a:schemeClr val="tx1">
-                    <a:lumMod val="65000"/>
-                    <a:lumOff val="35000"/>
-                  </a:schemeClr>
-                </a:solidFill>
+              <a:t>SELECT COUNT(*) AS </a:t>
+            </a:r>
+            <a:r>
+              <a:rPr lang="pt-PT" sz="2000" dirty="0" err="1">
                 <a:latin typeface="Courier New" panose="02070309020205020404" pitchFamily="49" charset="0"/>
                 <a:cs typeface="Courier New" panose="02070309020205020404" pitchFamily="49" charset="0"/>
               </a:rPr>
-              <a:t>.</a:t>
+              <a:t>naoConcluidas</a:t>
+            </a:r>
+            <a:r>
+              <a:rPr lang="pt-PT" sz="2000" dirty="0">
+                <a:latin typeface="Courier New" panose="02070309020205020404" pitchFamily="49" charset="0"/>
+                <a:cs typeface="Courier New" panose="02070309020205020404" pitchFamily="49" charset="0"/>
+              </a:rPr>
+              <a:t> FROM reservas WHERE </a:t>
+            </a:r>
+            <a:r>
+              <a:rPr lang="pt-PT" sz="2000" dirty="0" err="1">
+                <a:latin typeface="Courier New" panose="02070309020205020404" pitchFamily="49" charset="0"/>
+                <a:cs typeface="Courier New" panose="02070309020205020404" pitchFamily="49" charset="0"/>
+              </a:rPr>
+              <a:t>id_cliente</a:t>
+            </a:r>
+            <a:r>
+              <a:rPr lang="pt-PT" sz="2000" dirty="0">
+                <a:latin typeface="Courier New" panose="02070309020205020404" pitchFamily="49" charset="0"/>
+                <a:cs typeface="Courier New" panose="02070309020205020404" pitchFamily="49" charset="0"/>
+              </a:rPr>
+              <a:t> = ? AND estado &lt;&gt; '</a:t>
+            </a:r>
+            <a:r>
+              <a:rPr lang="pt-PT" sz="2000" dirty="0" err="1">
+                <a:latin typeface="Courier New" panose="02070309020205020404" pitchFamily="49" charset="0"/>
+                <a:cs typeface="Courier New" panose="02070309020205020404" pitchFamily="49" charset="0"/>
+              </a:rPr>
+              <a:t>concluida</a:t>
+            </a:r>
+            <a:r>
+              <a:rPr lang="pt-PT" sz="2000" dirty="0"/>
+              <a:t>’</a:t>
+            </a:r>
+          </a:p>
+          <a:p>
+            <a:pPr lvl="1"/>
+            <a:endParaRPr lang="pt-PT" sz="2000" dirty="0"/>
+          </a:p>
+          <a:p>
+            <a:pPr lvl="1"/>
+            <a:r>
+              <a:rPr lang="pt-PT" sz="2000" dirty="0"/>
+              <a:t>Se </a:t>
+            </a:r>
+            <a:r>
+              <a:rPr lang="pt-PT" sz="2000" dirty="0" err="1">
+                <a:latin typeface="Courier New" panose="02070309020205020404" pitchFamily="49" charset="0"/>
+                <a:cs typeface="Courier New" panose="02070309020205020404" pitchFamily="49" charset="0"/>
+              </a:rPr>
+              <a:t>naoConcluidas</a:t>
+            </a:r>
+            <a:r>
+              <a:rPr lang="pt-PT" sz="2000" dirty="0">
+                <a:latin typeface="Courier New" panose="02070309020205020404" pitchFamily="49" charset="0"/>
+                <a:cs typeface="Courier New" panose="02070309020205020404" pitchFamily="49" charset="0"/>
+              </a:rPr>
+              <a:t> &gt; 0 </a:t>
+            </a:r>
+            <a:r>
+              <a:rPr lang="pt-PT" sz="2000" dirty="0"/>
+              <a:t>→ </a:t>
+            </a:r>
+            <a:r>
+              <a:rPr lang="pt-PT" sz="2000" b="1" dirty="0"/>
+              <a:t>400 </a:t>
+            </a:r>
+            <a:r>
+              <a:rPr lang="pt-PT" sz="2000" b="1" dirty="0" err="1"/>
+              <a:t>Bad</a:t>
+            </a:r>
+            <a:r>
+              <a:rPr lang="pt-PT" sz="2000" b="1" dirty="0"/>
+              <a:t> </a:t>
+            </a:r>
+            <a:r>
+              <a:rPr lang="pt-PT" sz="2000" b="1" dirty="0" err="1"/>
+              <a:t>Request</a:t>
+            </a:r>
+            <a:br>
+              <a:rPr lang="pt-PT" sz="2000" dirty="0"/>
+            </a:br>
+            <a:r>
+              <a:rPr lang="pt-PT" sz="2000" dirty="0"/>
+              <a:t>“Não é possível eliminar o cliente: possui reservas ativas ou canceladas.”</a:t>
+            </a:r>
+          </a:p>
+          <a:p>
+            <a:br>
+              <a:rPr lang="pt-PT" sz="2000" dirty="0"/>
+            </a:br>
+            <a:endParaRPr lang="pt-PT" sz="2000" dirty="0"/>
+          </a:p>
+          <a:p>
+            <a:r>
+              <a:rPr lang="pt-PT" sz="2000" b="1" dirty="0"/>
+              <a:t>Eliminar cliente</a:t>
+            </a:r>
+            <a:endParaRPr lang="pt-PT" sz="2000" dirty="0"/>
+          </a:p>
+          <a:p>
+            <a:pPr lvl="1"/>
+            <a:r>
+              <a:rPr lang="pt-PT" sz="2000" dirty="0">
+                <a:latin typeface="Courier New" panose="02070309020205020404" pitchFamily="49" charset="0"/>
+                <a:cs typeface="Courier New" panose="02070309020205020404" pitchFamily="49" charset="0"/>
+              </a:rPr>
+              <a:t>DELETE FROM clientes WHERE </a:t>
+            </a:r>
+            <a:r>
+              <a:rPr lang="pt-PT" sz="2000" dirty="0" err="1">
+                <a:latin typeface="Courier New" panose="02070309020205020404" pitchFamily="49" charset="0"/>
+                <a:cs typeface="Courier New" panose="02070309020205020404" pitchFamily="49" charset="0"/>
+              </a:rPr>
+              <a:t>id_cliente</a:t>
+            </a:r>
+            <a:r>
+              <a:rPr lang="pt-PT" sz="2000" dirty="0">
+                <a:latin typeface="Courier New" panose="02070309020205020404" pitchFamily="49" charset="0"/>
+                <a:cs typeface="Courier New" panose="02070309020205020404" pitchFamily="49" charset="0"/>
+              </a:rPr>
+              <a:t> = ?</a:t>
+            </a:r>
+          </a:p>
+          <a:p>
+            <a:pPr lvl="1"/>
+            <a:r>
+              <a:rPr lang="pt-PT" sz="2000" dirty="0"/>
+              <a:t>Se </a:t>
+            </a:r>
+            <a:r>
+              <a:rPr lang="pt-PT" sz="2000" dirty="0" err="1">
+                <a:latin typeface="Courier New" panose="02070309020205020404" pitchFamily="49" charset="0"/>
+                <a:cs typeface="Courier New" panose="02070309020205020404" pitchFamily="49" charset="0"/>
+              </a:rPr>
+              <a:t>affectedRows</a:t>
+            </a:r>
+            <a:r>
+              <a:rPr lang="pt-PT" sz="2000" dirty="0">
+                <a:latin typeface="Courier New" panose="02070309020205020404" pitchFamily="49" charset="0"/>
+                <a:cs typeface="Courier New" panose="02070309020205020404" pitchFamily="49" charset="0"/>
+              </a:rPr>
+              <a:t> = 0 </a:t>
+            </a:r>
+            <a:r>
+              <a:rPr lang="pt-PT" sz="2000" dirty="0"/>
+              <a:t>→ </a:t>
+            </a:r>
+            <a:r>
+              <a:rPr lang="pt-PT" sz="2000" b="1" dirty="0"/>
+              <a:t>404 Cliente não encontrado</a:t>
+            </a:r>
+            <a:endParaRPr lang="pt-PT" sz="2000" dirty="0"/>
+          </a:p>
+          <a:p>
+            <a:pPr lvl="1"/>
+            <a:r>
+              <a:rPr lang="pt-PT" sz="2000" dirty="0"/>
+              <a:t>Caso contrário → </a:t>
+            </a:r>
+            <a:r>
+              <a:rPr lang="pt-PT" sz="2000" b="1" dirty="0"/>
+              <a:t>200 OK</a:t>
+            </a:r>
+            <a:br>
+              <a:rPr lang="pt-PT" sz="2000" dirty="0"/>
+            </a:br>
+            <a:r>
+              <a:rPr lang="pt-PT" sz="2000" dirty="0"/>
+              <a:t>“Cliente eliminado com sucesso.”</a:t>
             </a:r>
           </a:p>
           <a:p>
@@ -26907,273 +26387,8 @@
                 <a:schemeClr val="tx2"/>
               </a:buClr>
             </a:pPr>
-            <a:endParaRPr lang="en-US" sz="1300" dirty="0">
-              <a:solidFill>
-                <a:schemeClr val="tx1">
-                  <a:lumMod val="65000"/>
-                  <a:lumOff val="35000"/>
-                </a:schemeClr>
-              </a:solidFill>
-              <a:latin typeface="Courier New" panose="02070309020205020404" pitchFamily="49" charset="0"/>
-              <a:cs typeface="Courier New" panose="02070309020205020404" pitchFamily="49" charset="0"/>
-            </a:endParaRPr>
-          </a:p>
-          <a:p>
-            <a:pPr defTabSz="914400">
-              <a:spcBef>
-                <a:spcPts val="700"/>
-              </a:spcBef>
-              <a:buClr>
-                <a:schemeClr val="tx2"/>
-              </a:buClr>
-            </a:pPr>
-            <a:r>
-              <a:rPr lang="en-US" sz="1300" dirty="0">
-                <a:solidFill>
-                  <a:schemeClr val="tx1">
-                    <a:lumMod val="65000"/>
-                    <a:lumOff val="35000"/>
-                  </a:schemeClr>
-                </a:solidFill>
-                <a:latin typeface="Courier New" panose="02070309020205020404" pitchFamily="49" charset="0"/>
-                <a:cs typeface="Courier New" panose="02070309020205020404" pitchFamily="49" charset="0"/>
-              </a:rPr>
-              <a:t>SELECT</a:t>
-            </a:r>
-            <a:r>
-              <a:rPr lang="en-US" sz="1300" dirty="0">
-                <a:solidFill>
-                  <a:schemeClr val="tx1">
-                    <a:lumMod val="65000"/>
-                    <a:lumOff val="35000"/>
-                  </a:schemeClr>
-                </a:solidFill>
-              </a:rPr>
-              <a:t> à </a:t>
-            </a:r>
-            <a:r>
-              <a:rPr lang="en-US" sz="1300" dirty="0" err="1">
-                <a:solidFill>
-                  <a:schemeClr val="tx1">
-                    <a:lumMod val="65000"/>
-                    <a:lumOff val="35000"/>
-                  </a:schemeClr>
-                </a:solidFill>
-              </a:rPr>
-              <a:t>tabela</a:t>
-            </a:r>
-            <a:r>
-              <a:rPr lang="en-US" sz="1300" dirty="0">
-                <a:solidFill>
-                  <a:schemeClr val="tx1">
-                    <a:lumMod val="65000"/>
-                    <a:lumOff val="35000"/>
-                  </a:schemeClr>
-                </a:solidFill>
-              </a:rPr>
-              <a:t> </a:t>
-            </a:r>
-            <a:r>
-              <a:rPr lang="en-US" sz="1300" dirty="0" err="1">
-                <a:solidFill>
-                  <a:schemeClr val="tx1">
-                    <a:lumMod val="65000"/>
-                    <a:lumOff val="35000"/>
-                  </a:schemeClr>
-                </a:solidFill>
-              </a:rPr>
-              <a:t>veiculos</a:t>
-            </a:r>
-            <a:r>
-              <a:rPr lang="en-US" sz="1300" dirty="0">
-                <a:solidFill>
-                  <a:schemeClr val="tx1">
-                    <a:lumMod val="65000"/>
-                    <a:lumOff val="35000"/>
-                  </a:schemeClr>
-                </a:solidFill>
-              </a:rPr>
-              <a:t> com </a:t>
-            </a:r>
-            <a:r>
-              <a:rPr lang="en-US" sz="1300" dirty="0">
-                <a:solidFill>
-                  <a:schemeClr val="tx1">
-                    <a:lumMod val="65000"/>
-                    <a:lumOff val="35000"/>
-                  </a:schemeClr>
-                </a:solidFill>
-                <a:latin typeface="Courier New" panose="02070309020205020404" pitchFamily="49" charset="0"/>
-                <a:cs typeface="Courier New" panose="02070309020205020404" pitchFamily="49" charset="0"/>
-              </a:rPr>
-              <a:t>LEFT JOIN </a:t>
-            </a:r>
-            <a:r>
-              <a:rPr lang="en-US" sz="1300" dirty="0" err="1">
-                <a:solidFill>
-                  <a:schemeClr val="tx1">
-                    <a:lumMod val="65000"/>
-                    <a:lumOff val="35000"/>
-                  </a:schemeClr>
-                </a:solidFill>
-              </a:rPr>
-              <a:t>categorias</a:t>
-            </a:r>
-            <a:r>
-              <a:rPr lang="en-US" sz="1300" dirty="0">
-                <a:solidFill>
-                  <a:schemeClr val="tx1">
-                    <a:lumMod val="65000"/>
-                    <a:lumOff val="35000"/>
-                  </a:schemeClr>
-                </a:solidFill>
-              </a:rPr>
-              <a:t> para </a:t>
-            </a:r>
-            <a:r>
-              <a:rPr lang="en-US" sz="1300" dirty="0" err="1">
-                <a:solidFill>
-                  <a:schemeClr val="tx1">
-                    <a:lumMod val="65000"/>
-                    <a:lumOff val="35000"/>
-                  </a:schemeClr>
-                </a:solidFill>
-              </a:rPr>
-              <a:t>obter</a:t>
-            </a:r>
-            <a:r>
-              <a:rPr lang="en-US" sz="1300" dirty="0">
-                <a:solidFill>
-                  <a:schemeClr val="tx1">
-                    <a:lumMod val="65000"/>
-                    <a:lumOff val="35000"/>
-                  </a:schemeClr>
-                </a:solidFill>
-              </a:rPr>
-              <a:t> </a:t>
-            </a:r>
-            <a:r>
-              <a:rPr lang="en-US" sz="1300" dirty="0" err="1">
-                <a:solidFill>
-                  <a:schemeClr val="tx1">
-                    <a:lumMod val="65000"/>
-                    <a:lumOff val="35000"/>
-                  </a:schemeClr>
-                </a:solidFill>
-              </a:rPr>
-              <a:t>categoria</a:t>
-            </a:r>
-            <a:r>
-              <a:rPr lang="en-US" sz="1300" dirty="0">
-                <a:solidFill>
-                  <a:schemeClr val="tx1">
-                    <a:lumMod val="65000"/>
-                    <a:lumOff val="35000"/>
-                  </a:schemeClr>
-                </a:solidFill>
-              </a:rPr>
-              <a:t> e </a:t>
-            </a:r>
-            <a:r>
-              <a:rPr lang="en-US" sz="1300" dirty="0" err="1">
-                <a:solidFill>
-                  <a:schemeClr val="tx1">
-                    <a:lumMod val="65000"/>
-                    <a:lumOff val="35000"/>
-                  </a:schemeClr>
-                </a:solidFill>
-              </a:rPr>
-              <a:t>preço</a:t>
-            </a:r>
-            <a:r>
-              <a:rPr lang="en-US" sz="1300" dirty="0">
-                <a:solidFill>
-                  <a:schemeClr val="tx1">
-                    <a:lumMod val="65000"/>
-                    <a:lumOff val="35000"/>
-                  </a:schemeClr>
-                </a:solidFill>
-              </a:rPr>
-              <a:t> </a:t>
-            </a:r>
-            <a:r>
-              <a:rPr lang="en-US" sz="1300" dirty="0" err="1">
-                <a:solidFill>
-                  <a:schemeClr val="tx1">
-                    <a:lumMod val="65000"/>
-                    <a:lumOff val="35000"/>
-                  </a:schemeClr>
-                </a:solidFill>
-              </a:rPr>
-              <a:t>por</a:t>
-            </a:r>
-            <a:r>
-              <a:rPr lang="en-US" sz="1300" dirty="0">
-                <a:solidFill>
-                  <a:schemeClr val="tx1">
-                    <a:lumMod val="65000"/>
-                    <a:lumOff val="35000"/>
-                  </a:schemeClr>
-                </a:solidFill>
-              </a:rPr>
-              <a:t> dia.</a:t>
-            </a:r>
-          </a:p>
-          <a:p>
-            <a:pPr defTabSz="914400">
-              <a:spcBef>
-                <a:spcPts val="700"/>
-              </a:spcBef>
-              <a:buClr>
-                <a:schemeClr val="tx2"/>
-              </a:buClr>
-            </a:pPr>
-            <a:r>
-              <a:rPr lang="en-US" sz="1300" dirty="0">
-                <a:solidFill>
-                  <a:schemeClr val="tx1">
-                    <a:lumMod val="65000"/>
-                    <a:lumOff val="35000"/>
-                  </a:schemeClr>
-                </a:solidFill>
-              </a:rPr>
-              <a:t>Usa subqueries para </a:t>
-            </a:r>
-            <a:r>
-              <a:rPr lang="en-US" sz="1300" dirty="0" err="1">
-                <a:solidFill>
-                  <a:schemeClr val="tx1">
-                    <a:lumMod val="65000"/>
-                    <a:lumOff val="35000"/>
-                  </a:schemeClr>
-                </a:solidFill>
-              </a:rPr>
-              <a:t>enriquecer</a:t>
-            </a:r>
-            <a:r>
-              <a:rPr lang="en-US" sz="1300" dirty="0">
-                <a:solidFill>
-                  <a:schemeClr val="tx1">
-                    <a:lumMod val="65000"/>
-                    <a:lumOff val="35000"/>
-                  </a:schemeClr>
-                </a:solidFill>
-              </a:rPr>
-              <a:t> a </a:t>
-            </a:r>
-            <a:r>
-              <a:rPr lang="en-US" sz="1300" dirty="0" err="1">
-                <a:solidFill>
-                  <a:schemeClr val="tx1">
-                    <a:lumMod val="65000"/>
-                    <a:lumOff val="35000"/>
-                  </a:schemeClr>
-                </a:solidFill>
-              </a:rPr>
-              <a:t>resposta</a:t>
-            </a:r>
-            <a:r>
-              <a:rPr lang="en-US" sz="1300" dirty="0">
+            <a:r>
+              <a:rPr lang="en-US" sz="2000" dirty="0">
                 <a:solidFill>
                   <a:schemeClr val="tx1">
                     <a:lumMod val="65000"/>
@@ -27184,618 +26399,8 @@
               <a:t>.</a:t>
             </a:r>
           </a:p>
-          <a:p>
-            <a:pPr defTabSz="914400">
-              <a:spcBef>
-                <a:spcPts val="700"/>
-              </a:spcBef>
-              <a:buClr>
-                <a:schemeClr val="tx2"/>
-              </a:buClr>
-            </a:pPr>
-            <a:r>
-              <a:rPr lang="en-US" sz="1300" dirty="0" err="1">
-                <a:solidFill>
-                  <a:schemeClr val="tx1">
-                    <a:lumMod val="65000"/>
-                    <a:lumOff val="35000"/>
-                  </a:schemeClr>
-                </a:solidFill>
-              </a:rPr>
-              <a:t>tem_reserva</a:t>
-            </a:r>
-            <a:r>
-              <a:rPr lang="en-US" sz="1300" dirty="0">
-                <a:solidFill>
-                  <a:schemeClr val="tx1">
-                    <a:lumMod val="65000"/>
-                    <a:lumOff val="35000"/>
-                  </a:schemeClr>
-                </a:solidFill>
-              </a:rPr>
-              <a:t> → indica se o </a:t>
-            </a:r>
-            <a:r>
-              <a:rPr lang="en-US" sz="1300" dirty="0" err="1">
-                <a:solidFill>
-                  <a:schemeClr val="tx1">
-                    <a:lumMod val="65000"/>
-                    <a:lumOff val="35000"/>
-                  </a:schemeClr>
-                </a:solidFill>
-              </a:rPr>
-              <a:t>veículo</a:t>
-            </a:r>
-            <a:r>
-              <a:rPr lang="en-US" sz="1300" dirty="0">
-                <a:solidFill>
-                  <a:schemeClr val="tx1">
-                    <a:lumMod val="65000"/>
-                    <a:lumOff val="35000"/>
-                  </a:schemeClr>
-                </a:solidFill>
-              </a:rPr>
-              <a:t> </a:t>
-            </a:r>
-            <a:r>
-              <a:rPr lang="en-US" sz="1300" dirty="0" err="1">
-                <a:solidFill>
-                  <a:schemeClr val="tx1">
-                    <a:lumMod val="65000"/>
-                    <a:lumOff val="35000"/>
-                  </a:schemeClr>
-                </a:solidFill>
-              </a:rPr>
-              <a:t>tem</a:t>
-            </a:r>
-            <a:r>
-              <a:rPr lang="en-US" sz="1300" dirty="0">
-                <a:solidFill>
-                  <a:schemeClr val="tx1">
-                    <a:lumMod val="65000"/>
-                    <a:lumOff val="35000"/>
-                  </a:schemeClr>
-                </a:solidFill>
-              </a:rPr>
-              <a:t> </a:t>
-            </a:r>
-            <a:r>
-              <a:rPr lang="en-US" sz="1300" dirty="0" err="1">
-                <a:solidFill>
-                  <a:schemeClr val="tx1">
-                    <a:lumMod val="65000"/>
-                    <a:lumOff val="35000"/>
-                  </a:schemeClr>
-                </a:solidFill>
-              </a:rPr>
-              <a:t>reservas</a:t>
-            </a:r>
-            <a:r>
-              <a:rPr lang="en-US" sz="1300" dirty="0">
-                <a:solidFill>
-                  <a:schemeClr val="tx1">
-                    <a:lumMod val="65000"/>
-                    <a:lumOff val="35000"/>
-                  </a:schemeClr>
-                </a:solidFill>
-              </a:rPr>
-              <a:t>.</a:t>
-            </a:r>
-          </a:p>
-          <a:p>
-            <a:pPr defTabSz="914400">
-              <a:spcBef>
-                <a:spcPts val="700"/>
-              </a:spcBef>
-              <a:buClr>
-                <a:schemeClr val="tx2"/>
-              </a:buClr>
-            </a:pPr>
-            <a:r>
-              <a:rPr lang="en-US" sz="1300" dirty="0" err="1">
-                <a:solidFill>
-                  <a:schemeClr val="tx1">
-                    <a:lumMod val="65000"/>
-                    <a:lumOff val="35000"/>
-                  </a:schemeClr>
-                </a:solidFill>
-              </a:rPr>
-              <a:t>estado_reserva</a:t>
-            </a:r>
-            <a:r>
-              <a:rPr lang="en-US" sz="1300" dirty="0">
-                <a:solidFill>
-                  <a:schemeClr val="tx1">
-                    <a:lumMod val="65000"/>
-                    <a:lumOff val="35000"/>
-                  </a:schemeClr>
-                </a:solidFill>
-              </a:rPr>
-              <a:t> → </a:t>
-            </a:r>
-            <a:r>
-              <a:rPr lang="en-US" sz="1300" dirty="0" err="1">
-                <a:solidFill>
-                  <a:schemeClr val="tx1">
-                    <a:lumMod val="65000"/>
-                    <a:lumOff val="35000"/>
-                  </a:schemeClr>
-                </a:solidFill>
-              </a:rPr>
-              <a:t>estado</a:t>
-            </a:r>
-            <a:r>
-              <a:rPr lang="en-US" sz="1300" dirty="0">
-                <a:solidFill>
-                  <a:schemeClr val="tx1">
-                    <a:lumMod val="65000"/>
-                    <a:lumOff val="35000"/>
-                  </a:schemeClr>
-                </a:solidFill>
-              </a:rPr>
-              <a:t> da </a:t>
-            </a:r>
-            <a:r>
-              <a:rPr lang="en-US" sz="1300" dirty="0" err="1">
-                <a:solidFill>
-                  <a:schemeClr val="tx1">
-                    <a:lumMod val="65000"/>
-                    <a:lumOff val="35000"/>
-                  </a:schemeClr>
-                </a:solidFill>
-              </a:rPr>
-              <a:t>reserva</a:t>
-            </a:r>
-            <a:r>
-              <a:rPr lang="en-US" sz="1300" dirty="0">
-                <a:solidFill>
-                  <a:schemeClr val="tx1">
-                    <a:lumMod val="65000"/>
-                    <a:lumOff val="35000"/>
-                  </a:schemeClr>
-                </a:solidFill>
-              </a:rPr>
-              <a:t> </a:t>
-            </a:r>
-            <a:r>
-              <a:rPr lang="en-US" sz="1300" dirty="0" err="1">
-                <a:solidFill>
-                  <a:schemeClr val="tx1">
-                    <a:lumMod val="65000"/>
-                    <a:lumOff val="35000"/>
-                  </a:schemeClr>
-                </a:solidFill>
-              </a:rPr>
-              <a:t>mais</a:t>
-            </a:r>
-            <a:r>
-              <a:rPr lang="en-US" sz="1300" dirty="0">
-                <a:solidFill>
-                  <a:schemeClr val="tx1">
-                    <a:lumMod val="65000"/>
-                    <a:lumOff val="35000"/>
-                  </a:schemeClr>
-                </a:solidFill>
-              </a:rPr>
-              <a:t> </a:t>
-            </a:r>
-            <a:r>
-              <a:rPr lang="en-US" sz="1300" dirty="0" err="1">
-                <a:solidFill>
-                  <a:schemeClr val="tx1">
-                    <a:lumMod val="65000"/>
-                    <a:lumOff val="35000"/>
-                  </a:schemeClr>
-                </a:solidFill>
-              </a:rPr>
-              <a:t>recente</a:t>
-            </a:r>
-            <a:r>
-              <a:rPr lang="en-US" sz="1300" dirty="0">
-                <a:solidFill>
-                  <a:schemeClr val="tx1">
-                    <a:lumMod val="65000"/>
-                    <a:lumOff val="35000"/>
-                  </a:schemeClr>
-                </a:solidFill>
-              </a:rPr>
-              <a:t>.</a:t>
-            </a:r>
-          </a:p>
-          <a:p>
-            <a:pPr defTabSz="914400">
-              <a:spcBef>
-                <a:spcPts val="700"/>
-              </a:spcBef>
-              <a:buClr>
-                <a:schemeClr val="tx2"/>
-              </a:buClr>
-            </a:pPr>
-            <a:r>
-              <a:rPr lang="en-US" sz="1300" dirty="0" err="1">
-                <a:solidFill>
-                  <a:schemeClr val="tx1">
-                    <a:lumMod val="65000"/>
-                    <a:lumOff val="35000"/>
-                  </a:schemeClr>
-                </a:solidFill>
-              </a:rPr>
-              <a:t>Filtros</a:t>
-            </a:r>
-            <a:r>
-              <a:rPr lang="en-US" sz="1300" dirty="0">
-                <a:solidFill>
-                  <a:schemeClr val="tx1">
-                    <a:lumMod val="65000"/>
-                    <a:lumOff val="35000"/>
-                  </a:schemeClr>
-                </a:solidFill>
-              </a:rPr>
-              <a:t> </a:t>
-            </a:r>
-            <a:r>
-              <a:rPr lang="en-US" sz="1300" dirty="0" err="1">
-                <a:solidFill>
-                  <a:schemeClr val="tx1">
-                    <a:lumMod val="65000"/>
-                    <a:lumOff val="35000"/>
-                  </a:schemeClr>
-                </a:solidFill>
-              </a:rPr>
-              <a:t>aplicados</a:t>
-            </a:r>
-            <a:r>
-              <a:rPr lang="en-US" sz="1300" dirty="0">
-                <a:solidFill>
-                  <a:schemeClr val="tx1">
-                    <a:lumMod val="65000"/>
-                    <a:lumOff val="35000"/>
-                  </a:schemeClr>
-                </a:solidFill>
-              </a:rPr>
-              <a:t> de forma </a:t>
-            </a:r>
-            <a:r>
-              <a:rPr lang="en-US" sz="1300" dirty="0" err="1">
-                <a:solidFill>
-                  <a:schemeClr val="tx1">
-                    <a:lumMod val="65000"/>
-                    <a:lumOff val="35000"/>
-                  </a:schemeClr>
-                </a:solidFill>
-              </a:rPr>
-              <a:t>segura</a:t>
-            </a:r>
-            <a:r>
-              <a:rPr lang="en-US" sz="1300" dirty="0">
-                <a:solidFill>
-                  <a:schemeClr val="tx1">
-                    <a:lumMod val="65000"/>
-                    <a:lumOff val="35000"/>
-                  </a:schemeClr>
-                </a:solidFill>
-              </a:rPr>
-              <a:t> com placeholders (?) e array de values (</a:t>
-            </a:r>
-            <a:r>
-              <a:rPr lang="en-US" sz="1300" dirty="0" err="1">
-                <a:solidFill>
-                  <a:schemeClr val="tx1">
-                    <a:lumMod val="65000"/>
-                    <a:lumOff val="35000"/>
-                  </a:schemeClr>
-                </a:solidFill>
-              </a:rPr>
-              <a:t>prevenção</a:t>
-            </a:r>
-            <a:r>
-              <a:rPr lang="en-US" sz="1300" dirty="0">
-                <a:solidFill>
-                  <a:schemeClr val="tx1">
-                    <a:lumMod val="65000"/>
-                    <a:lumOff val="35000"/>
-                  </a:schemeClr>
-                </a:solidFill>
-              </a:rPr>
-              <a:t> de SQL injection).</a:t>
-            </a:r>
-          </a:p>
-          <a:p>
-            <a:pPr defTabSz="914400">
-              <a:spcBef>
-                <a:spcPts val="700"/>
-              </a:spcBef>
-              <a:buClr>
-                <a:schemeClr val="tx2"/>
-              </a:buClr>
-            </a:pPr>
-            <a:r>
-              <a:rPr lang="en-US" sz="1300" dirty="0">
-                <a:solidFill>
-                  <a:schemeClr val="tx1">
-                    <a:lumMod val="65000"/>
-                    <a:lumOff val="35000"/>
-                  </a:schemeClr>
-                </a:solidFill>
-              </a:rPr>
-              <a:t>Em </a:t>
-            </a:r>
-            <a:r>
-              <a:rPr lang="en-US" sz="1300" dirty="0" err="1">
-                <a:solidFill>
-                  <a:schemeClr val="tx1">
-                    <a:lumMod val="65000"/>
-                    <a:lumOff val="35000"/>
-                  </a:schemeClr>
-                </a:solidFill>
-              </a:rPr>
-              <a:t>caso</a:t>
-            </a:r>
-            <a:r>
-              <a:rPr lang="en-US" sz="1300" dirty="0">
-                <a:solidFill>
-                  <a:schemeClr val="tx1">
-                    <a:lumMod val="65000"/>
-                    <a:lumOff val="35000"/>
-                  </a:schemeClr>
-                </a:solidFill>
-              </a:rPr>
-              <a:t> de </a:t>
-            </a:r>
-            <a:r>
-              <a:rPr lang="en-US" sz="1300" dirty="0" err="1">
-                <a:solidFill>
-                  <a:schemeClr val="tx1">
-                    <a:lumMod val="65000"/>
-                    <a:lumOff val="35000"/>
-                  </a:schemeClr>
-                </a:solidFill>
-              </a:rPr>
-              <a:t>erro</a:t>
-            </a:r>
-            <a:r>
-              <a:rPr lang="en-US" sz="1300" dirty="0">
-                <a:solidFill>
-                  <a:schemeClr val="tx1">
-                    <a:lumMod val="65000"/>
-                    <a:lumOff val="35000"/>
-                  </a:schemeClr>
-                </a:solidFill>
-              </a:rPr>
-              <a:t> de base de dados:</a:t>
-            </a:r>
-          </a:p>
-          <a:p>
-            <a:pPr defTabSz="914400">
-              <a:spcBef>
-                <a:spcPts val="700"/>
-              </a:spcBef>
-              <a:buClr>
-                <a:schemeClr val="tx2"/>
-              </a:buClr>
-            </a:pPr>
-            <a:r>
-              <a:rPr lang="en-US" sz="1300" dirty="0">
-                <a:solidFill>
-                  <a:schemeClr val="tx1">
-                    <a:lumMod val="65000"/>
-                    <a:lumOff val="35000"/>
-                  </a:schemeClr>
-                </a:solidFill>
-              </a:rPr>
-              <a:t>Devolve </a:t>
-            </a:r>
-            <a:r>
-              <a:rPr lang="en-US" sz="1300" b="1" dirty="0">
-                <a:solidFill>
-                  <a:schemeClr val="tx1">
-                    <a:lumMod val="65000"/>
-                    <a:lumOff val="35000"/>
-                  </a:schemeClr>
-                </a:solidFill>
-              </a:rPr>
-              <a:t>500</a:t>
-            </a:r>
-            <a:endParaRPr lang="en-US" sz="1300" dirty="0">
-              <a:solidFill>
-                <a:schemeClr val="tx1">
-                  <a:lumMod val="65000"/>
-                  <a:lumOff val="35000"/>
-                </a:schemeClr>
-              </a:solidFill>
-            </a:endParaRPr>
-          </a:p>
-          <a:p>
-            <a:pPr defTabSz="914400">
-              <a:spcBef>
-                <a:spcPts val="700"/>
-              </a:spcBef>
-              <a:buClr>
-                <a:schemeClr val="tx2"/>
-              </a:buClr>
-            </a:pPr>
-            <a:r>
-              <a:rPr lang="en-US" sz="1300" dirty="0">
-                <a:solidFill>
-                  <a:schemeClr val="tx1">
-                    <a:lumMod val="65000"/>
-                    <a:lumOff val="35000"/>
-                  </a:schemeClr>
-                </a:solidFill>
-              </a:rPr>
-              <a:t>Caso de </a:t>
-            </a:r>
-            <a:r>
-              <a:rPr lang="en-US" sz="1300" dirty="0" err="1">
-                <a:solidFill>
-                  <a:schemeClr val="tx1">
-                    <a:lumMod val="65000"/>
-                    <a:lumOff val="35000"/>
-                  </a:schemeClr>
-                </a:solidFill>
-              </a:rPr>
-              <a:t>sucesso</a:t>
-            </a:r>
-            <a:r>
-              <a:rPr lang="en-US" sz="1300" dirty="0">
-                <a:solidFill>
-                  <a:schemeClr val="tx1">
-                    <a:lumMod val="65000"/>
-                    <a:lumOff val="35000"/>
-                  </a:schemeClr>
-                </a:solidFill>
-              </a:rPr>
-              <a:t>:</a:t>
-            </a:r>
-          </a:p>
-          <a:p>
-            <a:pPr defTabSz="914400">
-              <a:spcBef>
-                <a:spcPts val="700"/>
-              </a:spcBef>
-              <a:buClr>
-                <a:schemeClr val="tx2"/>
-              </a:buClr>
-            </a:pPr>
-            <a:r>
-              <a:rPr lang="en-US" sz="1300" dirty="0">
-                <a:solidFill>
-                  <a:schemeClr val="tx1">
-                    <a:lumMod val="65000"/>
-                    <a:lumOff val="35000"/>
-                  </a:schemeClr>
-                </a:solidFill>
-              </a:rPr>
-              <a:t>Devolve </a:t>
-            </a:r>
-            <a:r>
-              <a:rPr lang="en-US" sz="1300" b="1" dirty="0">
-                <a:solidFill>
-                  <a:schemeClr val="tx1">
-                    <a:lumMod val="65000"/>
-                    <a:lumOff val="35000"/>
-                  </a:schemeClr>
-                </a:solidFill>
-              </a:rPr>
-              <a:t>200 OK</a:t>
-            </a:r>
-            <a:r>
-              <a:rPr lang="en-US" sz="1300" dirty="0">
-                <a:solidFill>
-                  <a:schemeClr val="tx1">
-                    <a:lumMod val="65000"/>
-                    <a:lumOff val="35000"/>
-                  </a:schemeClr>
-                </a:solidFill>
-              </a:rPr>
-              <a:t> com a </a:t>
-            </a:r>
-            <a:r>
-              <a:rPr lang="en-US" sz="1300" dirty="0" err="1">
-                <a:solidFill>
-                  <a:schemeClr val="tx1">
-                    <a:lumMod val="65000"/>
-                    <a:lumOff val="35000"/>
-                  </a:schemeClr>
-                </a:solidFill>
-              </a:rPr>
-              <a:t>lista</a:t>
-            </a:r>
-            <a:r>
-              <a:rPr lang="en-US" sz="1300" dirty="0">
-                <a:solidFill>
-                  <a:schemeClr val="tx1">
-                    <a:lumMod val="65000"/>
-                    <a:lumOff val="35000"/>
-                  </a:schemeClr>
-                </a:solidFill>
-              </a:rPr>
-              <a:t> de </a:t>
-            </a:r>
-            <a:r>
-              <a:rPr lang="en-US" sz="1300" dirty="0" err="1">
-                <a:solidFill>
-                  <a:schemeClr val="tx1">
-                    <a:lumMod val="65000"/>
-                    <a:lumOff val="35000"/>
-                  </a:schemeClr>
-                </a:solidFill>
-              </a:rPr>
-              <a:t>veículos</a:t>
-            </a:r>
-            <a:r>
-              <a:rPr lang="en-US" sz="1300" dirty="0">
-                <a:solidFill>
-                  <a:schemeClr val="tx1">
-                    <a:lumMod val="65000"/>
-                    <a:lumOff val="35000"/>
-                  </a:schemeClr>
-                </a:solidFill>
-              </a:rPr>
-              <a:t> </a:t>
-            </a:r>
-            <a:r>
-              <a:rPr lang="en-US" sz="1300" dirty="0" err="1">
-                <a:solidFill>
-                  <a:schemeClr val="tx1">
-                    <a:lumMod val="65000"/>
-                    <a:lumOff val="35000"/>
-                  </a:schemeClr>
-                </a:solidFill>
-              </a:rPr>
-              <a:t>em</a:t>
-            </a:r>
-            <a:r>
-              <a:rPr lang="en-US" sz="1300" dirty="0">
-                <a:solidFill>
-                  <a:schemeClr val="tx1">
-                    <a:lumMod val="65000"/>
-                    <a:lumOff val="35000"/>
-                  </a:schemeClr>
-                </a:solidFill>
-              </a:rPr>
-              <a:t> JSON.</a:t>
-            </a:r>
-          </a:p>
         </p:txBody>
       </p:sp>
-      <p:pic>
-        <p:nvPicPr>
-          <p:cNvPr id="17" name="Imagem 16" descr="Uma imagem com texto, captura de ecrã, ecrã, software&#10;&#10;Os conteúdos gerados por IA podem estar incorretos.">
-            <a:extLst>
-              <a:ext uri="{FF2B5EF4-FFF2-40B4-BE49-F238E27FC236}">
-                <a16:creationId xmlns:a16="http://schemas.microsoft.com/office/drawing/2014/main" id="{EB00F242-F60E-FF4F-8B7A-CBF0A115615E}"/>
-              </a:ext>
-            </a:extLst>
-          </p:cNvPr>
-          <p:cNvPicPr>
-            <a:picLocks noChangeAspect="1"/>
-          </p:cNvPicPr>
-          <p:nvPr/>
-        </p:nvPicPr>
-        <p:blipFill>
-          <a:blip r:embed="rId2">
-            <a:extLst>
-              <a:ext uri="{28A0092B-C50C-407E-A947-70E740481C1C}">
-                <a14:useLocalDpi xmlns:a14="http://schemas.microsoft.com/office/drawing/2010/main" val="0"/>
-              </a:ext>
-            </a:extLst>
-          </a:blip>
-          <a:srcRect t="402" r="2" b="1384"/>
-          <a:stretch>
-            <a:fillRect/>
-          </a:stretch>
-        </p:blipFill>
-        <p:spPr>
-          <a:xfrm>
-            <a:off x="5279472" y="645107"/>
-            <a:ext cx="5995465" cy="5594047"/>
-          </a:xfrm>
-          <a:prstGeom prst="rect">
-            <a:avLst/>
-          </a:prstGeom>
-        </p:spPr>
-      </p:pic>
       <p:sp>
         <p:nvSpPr>
           <p:cNvPr id="11" name="Marcador de Posição do Número do Diapositivo 10">
@@ -27842,6 +26447,42 @@
           </a:p>
         </p:txBody>
       </p:sp>
+      <p:pic>
+        <p:nvPicPr>
+          <p:cNvPr id="7" name="Imagem 6">
+            <a:extLst>
+              <a:ext uri="{FF2B5EF4-FFF2-40B4-BE49-F238E27FC236}">
+                <a16:creationId xmlns:a16="http://schemas.microsoft.com/office/drawing/2014/main" id="{941F96D1-B1CA-E9B7-55EB-71D08030B638}"/>
+              </a:ext>
+            </a:extLst>
+          </p:cNvPr>
+          <p:cNvPicPr>
+            <a:picLocks noChangeAspect="1"/>
+          </p:cNvPicPr>
+          <p:nvPr/>
+        </p:nvPicPr>
+        <p:blipFill>
+          <a:blip r:embed="rId2">
+            <a:extLst>
+              <a:ext uri="{28A0092B-C50C-407E-A947-70E740481C1C}">
+                <a14:useLocalDpi xmlns:a14="http://schemas.microsoft.com/office/drawing/2010/main" val="0"/>
+              </a:ext>
+            </a:extLst>
+          </a:blip>
+          <a:stretch>
+            <a:fillRect/>
+          </a:stretch>
+        </p:blipFill>
+        <p:spPr>
+          <a:xfrm>
+            <a:off x="6301035" y="0"/>
+            <a:ext cx="4820285" cy="6858000"/>
+          </a:xfrm>
+          <a:prstGeom prst="rect">
+            <a:avLst/>
+          </a:prstGeom>
+        </p:spPr>
+      </p:pic>
     </p:spTree>
     <p:extLst>
       <p:ext uri="{BB962C8B-B14F-4D97-AF65-F5344CB8AC3E}">
@@ -27856,6 +26497,840 @@
 </file>
 
 <file path=ppt/slides/slide26.xml><?xml version="1.0" encoding="utf-8"?>
+<p:sld xmlns:a="http://schemas.openxmlformats.org/drawingml/2006/main" xmlns:r="http://schemas.openxmlformats.org/officeDocument/2006/relationships" xmlns:p="http://schemas.openxmlformats.org/presentationml/2006/main">
+  <p:cSld>
+    <p:spTree>
+      <p:nvGrpSpPr>
+        <p:cNvPr id="1" name="">
+          <a:extLst>
+            <a:ext uri="{FF2B5EF4-FFF2-40B4-BE49-F238E27FC236}">
+              <a16:creationId xmlns:a16="http://schemas.microsoft.com/office/drawing/2014/main" id="{36BCA6CC-FBF6-CE81-ABAC-92598A7BA0B9}"/>
+            </a:ext>
+          </a:extLst>
+        </p:cNvPr>
+        <p:cNvGrpSpPr/>
+        <p:nvPr/>
+      </p:nvGrpSpPr>
+      <p:grpSpPr>
+        <a:xfrm>
+          <a:off x="0" y="0"/>
+          <a:ext cx="0" cy="0"/>
+          <a:chOff x="0" y="0"/>
+          <a:chExt cx="0" cy="0"/>
+        </a:xfrm>
+      </p:grpSpPr>
+      <p:sp>
+        <p:nvSpPr>
+          <p:cNvPr id="2" name="Título 1">
+            <a:extLst>
+              <a:ext uri="{FF2B5EF4-FFF2-40B4-BE49-F238E27FC236}">
+                <a16:creationId xmlns:a16="http://schemas.microsoft.com/office/drawing/2014/main" id="{B4765E57-ADF6-EF54-1592-09C64B95AF66}"/>
+              </a:ext>
+            </a:extLst>
+          </p:cNvPr>
+          <p:cNvSpPr>
+            <a:spLocks noGrp="1"/>
+          </p:cNvSpPr>
+          <p:nvPr>
+            <p:ph type="title"/>
+          </p:nvPr>
+        </p:nvSpPr>
+        <p:spPr>
+          <a:xfrm>
+            <a:off x="1416414" y="2517804"/>
+            <a:ext cx="10178322" cy="1492132"/>
+          </a:xfrm>
+        </p:spPr>
+        <p:txBody>
+          <a:bodyPr/>
+          <a:lstStyle/>
+          <a:p>
+            <a:pPr algn="ctr"/>
+            <a:r>
+              <a:rPr lang="pt-PT" dirty="0"/>
+              <a:t>Exemplo de </a:t>
+            </a:r>
+            <a:r>
+              <a:rPr lang="pt-PT" dirty="0" err="1"/>
+              <a:t>endpoint</a:t>
+            </a:r>
+            <a:r>
+              <a:rPr lang="pt-PT" dirty="0"/>
+              <a:t> em Node.js (</a:t>
+            </a:r>
+            <a:r>
+              <a:rPr lang="pt-PT" b="1" dirty="0"/>
+              <a:t>DELETE /</a:t>
+            </a:r>
+            <a:r>
+              <a:rPr lang="pt-PT" b="1" dirty="0" err="1"/>
+              <a:t>funcioanrios</a:t>
+            </a:r>
+            <a:r>
+              <a:rPr lang="pt-PT" b="1" dirty="0"/>
+              <a:t>/{id}</a:t>
+            </a:r>
+            <a:endParaRPr lang="pt-PT" dirty="0"/>
+          </a:p>
+        </p:txBody>
+      </p:sp>
+      <p:sp>
+        <p:nvSpPr>
+          <p:cNvPr id="6" name="Marcador de Posição do Número do Diapositivo 5">
+            <a:extLst>
+              <a:ext uri="{FF2B5EF4-FFF2-40B4-BE49-F238E27FC236}">
+                <a16:creationId xmlns:a16="http://schemas.microsoft.com/office/drawing/2014/main" id="{754DCCA7-D68B-24DD-4D79-2E90EFA29DF8}"/>
+              </a:ext>
+            </a:extLst>
+          </p:cNvPr>
+          <p:cNvSpPr>
+            <a:spLocks noGrp="1"/>
+          </p:cNvSpPr>
+          <p:nvPr>
+            <p:ph type="sldNum" sz="quarter" idx="12"/>
+          </p:nvPr>
+        </p:nvSpPr>
+        <p:spPr/>
+        <p:txBody>
+          <a:bodyPr/>
+          <a:lstStyle/>
+          <a:p>
+            <a:fld id="{F551A59A-BC5D-4217-BF19-535FB90BF39B}" type="slidenum">
+              <a:rPr lang="pt-PT" smtClean="0"/>
+              <a:t>26</a:t>
+            </a:fld>
+            <a:endParaRPr lang="pt-PT"/>
+          </a:p>
+        </p:txBody>
+      </p:sp>
+    </p:spTree>
+    <p:extLst>
+      <p:ext uri="{BB962C8B-B14F-4D97-AF65-F5344CB8AC3E}">
+        <p14:creationId xmlns:p14="http://schemas.microsoft.com/office/powerpoint/2010/main" val="3691430370"/>
+      </p:ext>
+    </p:extLst>
+  </p:cSld>
+  <p:clrMapOvr>
+    <a:masterClrMapping/>
+  </p:clrMapOvr>
+</p:sld>
+</file>
+
+<file path=ppt/slides/slide27.xml><?xml version="1.0" encoding="utf-8"?>
+<p:sld xmlns:a="http://schemas.openxmlformats.org/drawingml/2006/main" xmlns:r="http://schemas.openxmlformats.org/officeDocument/2006/relationships" xmlns:p="http://schemas.openxmlformats.org/presentationml/2006/main">
+  <p:cSld>
+    <p:bg>
+      <p:bgPr>
+        <a:solidFill>
+          <a:schemeClr val="bg2"/>
+        </a:solidFill>
+        <a:effectLst/>
+      </p:bgPr>
+    </p:bg>
+    <p:spTree>
+      <p:nvGrpSpPr>
+        <p:cNvPr id="1" name="">
+          <a:extLst>
+            <a:ext uri="{FF2B5EF4-FFF2-40B4-BE49-F238E27FC236}">
+              <a16:creationId xmlns:a16="http://schemas.microsoft.com/office/drawing/2014/main" id="{FCFC4322-AF5C-C2A8-61AA-6FF89B04FEB7}"/>
+            </a:ext>
+          </a:extLst>
+        </p:cNvPr>
+        <p:cNvGrpSpPr/>
+        <p:nvPr/>
+      </p:nvGrpSpPr>
+      <p:grpSpPr>
+        <a:xfrm>
+          <a:off x="0" y="0"/>
+          <a:ext cx="0" cy="0"/>
+          <a:chOff x="0" y="0"/>
+          <a:chExt cx="0" cy="0"/>
+        </a:xfrm>
+      </p:grpSpPr>
+      <p:sp>
+        <p:nvSpPr>
+          <p:cNvPr id="10" name="CaixaDeTexto 9">
+            <a:extLst>
+              <a:ext uri="{FF2B5EF4-FFF2-40B4-BE49-F238E27FC236}">
+                <a16:creationId xmlns:a16="http://schemas.microsoft.com/office/drawing/2014/main" id="{0882445D-E103-C2AF-6F66-4CC995735FA4}"/>
+              </a:ext>
+            </a:extLst>
+          </p:cNvPr>
+          <p:cNvSpPr txBox="1"/>
+          <p:nvPr/>
+        </p:nvSpPr>
+        <p:spPr>
+          <a:xfrm>
+            <a:off x="1185690" y="1458578"/>
+            <a:ext cx="4910309" cy="3940844"/>
+          </a:xfrm>
+          <a:prstGeom prst="rect">
+            <a:avLst/>
+          </a:prstGeom>
+        </p:spPr>
+        <p:txBody>
+          <a:bodyPr vert="horz" lIns="91440" tIns="45720" rIns="91440" bIns="45720" rtlCol="0">
+            <a:normAutofit fontScale="92500" lnSpcReduction="20000"/>
+          </a:bodyPr>
+          <a:lstStyle/>
+          <a:p>
+            <a:pPr indent="-228600" defTabSz="914400">
+              <a:spcBef>
+                <a:spcPts val="700"/>
+              </a:spcBef>
+              <a:buClr>
+                <a:schemeClr val="tx2"/>
+              </a:buClr>
+              <a:buFont typeface="Arial" panose="020B0604020202020204" pitchFamily="34" charset="0"/>
+              <a:buChar char="•"/>
+            </a:pPr>
+            <a:endParaRPr lang="en-US" sz="1500" dirty="0">
+              <a:solidFill>
+                <a:schemeClr val="tx1">
+                  <a:lumMod val="65000"/>
+                  <a:lumOff val="35000"/>
+                </a:schemeClr>
+              </a:solidFill>
+            </a:endParaRPr>
+          </a:p>
+          <a:p>
+            <a:r>
+              <a:rPr lang="pt-PT" sz="1500" b="1" dirty="0">
+                <a:solidFill>
+                  <a:schemeClr val="tx1">
+                    <a:lumMod val="65000"/>
+                    <a:lumOff val="35000"/>
+                  </a:schemeClr>
+                </a:solidFill>
+              </a:rPr>
+              <a:t>Verificar se o funcionário existe</a:t>
+            </a:r>
+          </a:p>
+          <a:p>
+            <a:pPr lvl="1"/>
+            <a:r>
+              <a:rPr lang="pt-PT" sz="1500" dirty="0">
+                <a:solidFill>
+                  <a:schemeClr val="tx1">
+                    <a:lumMod val="65000"/>
+                    <a:lumOff val="35000"/>
+                  </a:schemeClr>
+                </a:solidFill>
+                <a:latin typeface="Courier New" panose="02070309020205020404" pitchFamily="49" charset="0"/>
+                <a:cs typeface="Courier New" panose="02070309020205020404" pitchFamily="49" charset="0"/>
+              </a:rPr>
+              <a:t>SELECT * FROM </a:t>
+            </a:r>
+            <a:r>
+              <a:rPr lang="pt-PT" sz="1500" dirty="0" err="1">
+                <a:solidFill>
+                  <a:schemeClr val="tx1">
+                    <a:lumMod val="65000"/>
+                    <a:lumOff val="35000"/>
+                  </a:schemeClr>
+                </a:solidFill>
+                <a:latin typeface="Courier New" panose="02070309020205020404" pitchFamily="49" charset="0"/>
+                <a:cs typeface="Courier New" panose="02070309020205020404" pitchFamily="49" charset="0"/>
+              </a:rPr>
+              <a:t>funcionarios</a:t>
+            </a:r>
+            <a:r>
+              <a:rPr lang="pt-PT" sz="1500" dirty="0">
+                <a:solidFill>
+                  <a:schemeClr val="tx1">
+                    <a:lumMod val="65000"/>
+                    <a:lumOff val="35000"/>
+                  </a:schemeClr>
+                </a:solidFill>
+                <a:latin typeface="Courier New" panose="02070309020205020404" pitchFamily="49" charset="0"/>
+                <a:cs typeface="Courier New" panose="02070309020205020404" pitchFamily="49" charset="0"/>
+              </a:rPr>
+              <a:t> WHERE </a:t>
+            </a:r>
+            <a:r>
+              <a:rPr lang="pt-PT" sz="1500" dirty="0" err="1">
+                <a:solidFill>
+                  <a:schemeClr val="tx1">
+                    <a:lumMod val="65000"/>
+                    <a:lumOff val="35000"/>
+                  </a:schemeClr>
+                </a:solidFill>
+                <a:latin typeface="Courier New" panose="02070309020205020404" pitchFamily="49" charset="0"/>
+                <a:cs typeface="Courier New" panose="02070309020205020404" pitchFamily="49" charset="0"/>
+              </a:rPr>
+              <a:t>id_funcionario</a:t>
+            </a:r>
+            <a:r>
+              <a:rPr lang="pt-PT" sz="1500" dirty="0">
+                <a:solidFill>
+                  <a:schemeClr val="tx1">
+                    <a:lumMod val="65000"/>
+                    <a:lumOff val="35000"/>
+                  </a:schemeClr>
+                </a:solidFill>
+                <a:latin typeface="Courier New" panose="02070309020205020404" pitchFamily="49" charset="0"/>
+                <a:cs typeface="Courier New" panose="02070309020205020404" pitchFamily="49" charset="0"/>
+              </a:rPr>
+              <a:t> = ?</a:t>
+            </a:r>
+          </a:p>
+          <a:p>
+            <a:pPr lvl="1"/>
+            <a:endParaRPr lang="pt-PT" sz="1500" dirty="0">
+              <a:solidFill>
+                <a:schemeClr val="tx1">
+                  <a:lumMod val="65000"/>
+                  <a:lumOff val="35000"/>
+                </a:schemeClr>
+              </a:solidFill>
+            </a:endParaRPr>
+          </a:p>
+          <a:p>
+            <a:pPr lvl="1"/>
+            <a:r>
+              <a:rPr lang="pt-PT" sz="1500" dirty="0">
+                <a:solidFill>
+                  <a:schemeClr val="tx1">
+                    <a:lumMod val="65000"/>
+                    <a:lumOff val="35000"/>
+                  </a:schemeClr>
+                </a:solidFill>
+              </a:rPr>
+              <a:t>Se não existir → 404 Funcionário não encontrado.</a:t>
+            </a:r>
+          </a:p>
+          <a:p>
+            <a:pPr lvl="1"/>
+            <a:endParaRPr lang="pt-PT" sz="1500" dirty="0">
+              <a:solidFill>
+                <a:schemeClr val="tx1">
+                  <a:lumMod val="65000"/>
+                  <a:lumOff val="35000"/>
+                </a:schemeClr>
+              </a:solidFill>
+              <a:latin typeface="Courier New" panose="02070309020205020404" pitchFamily="49" charset="0"/>
+              <a:cs typeface="Courier New" panose="02070309020205020404" pitchFamily="49" charset="0"/>
+            </a:endParaRPr>
+          </a:p>
+          <a:p>
+            <a:r>
+              <a:rPr lang="pt-PT" sz="1500" b="1" dirty="0">
+                <a:solidFill>
+                  <a:schemeClr val="tx1">
+                    <a:lumMod val="65000"/>
+                    <a:lumOff val="35000"/>
+                  </a:schemeClr>
+                </a:solidFill>
+              </a:rPr>
+              <a:t>Verificar se está associado a reservas (qualquer estado)</a:t>
+            </a:r>
+          </a:p>
+          <a:p>
+            <a:pPr lvl="1"/>
+            <a:r>
+              <a:rPr lang="pt-PT" sz="1500" dirty="0">
+                <a:solidFill>
+                  <a:schemeClr val="tx1">
+                    <a:lumMod val="65000"/>
+                    <a:lumOff val="35000"/>
+                  </a:schemeClr>
+                </a:solidFill>
+                <a:latin typeface="Courier New" panose="02070309020205020404" pitchFamily="49" charset="0"/>
+                <a:cs typeface="Courier New" panose="02070309020205020404" pitchFamily="49" charset="0"/>
+              </a:rPr>
+              <a:t>SELECT COUNT(*) AS total FROM reservas WHERE </a:t>
+            </a:r>
+            <a:r>
+              <a:rPr lang="pt-PT" sz="1500" dirty="0" err="1">
+                <a:solidFill>
+                  <a:schemeClr val="tx1">
+                    <a:lumMod val="65000"/>
+                    <a:lumOff val="35000"/>
+                  </a:schemeClr>
+                </a:solidFill>
+                <a:latin typeface="Courier New" panose="02070309020205020404" pitchFamily="49" charset="0"/>
+                <a:cs typeface="Courier New" panose="02070309020205020404" pitchFamily="49" charset="0"/>
+              </a:rPr>
+              <a:t>id_funcionario</a:t>
+            </a:r>
+            <a:r>
+              <a:rPr lang="pt-PT" sz="1500" dirty="0">
+                <a:solidFill>
+                  <a:schemeClr val="tx1">
+                    <a:lumMod val="65000"/>
+                    <a:lumOff val="35000"/>
+                  </a:schemeClr>
+                </a:solidFill>
+                <a:latin typeface="Courier New" panose="02070309020205020404" pitchFamily="49" charset="0"/>
+                <a:cs typeface="Courier New" panose="02070309020205020404" pitchFamily="49" charset="0"/>
+              </a:rPr>
+              <a:t> = ?</a:t>
+            </a:r>
+          </a:p>
+          <a:p>
+            <a:pPr lvl="1"/>
+            <a:endParaRPr lang="pt-PT" sz="1500" b="1" dirty="0">
+              <a:solidFill>
+                <a:schemeClr val="tx1">
+                  <a:lumMod val="65000"/>
+                  <a:lumOff val="35000"/>
+                </a:schemeClr>
+              </a:solidFill>
+              <a:latin typeface="Courier New" panose="02070309020205020404" pitchFamily="49" charset="0"/>
+              <a:cs typeface="Courier New" panose="02070309020205020404" pitchFamily="49" charset="0"/>
+            </a:endParaRPr>
+          </a:p>
+          <a:p>
+            <a:pPr lvl="1"/>
+            <a:r>
+              <a:rPr lang="pt-PT" sz="1500" b="1" dirty="0">
+                <a:solidFill>
+                  <a:schemeClr val="tx1">
+                    <a:lumMod val="65000"/>
+                    <a:lumOff val="35000"/>
+                  </a:schemeClr>
+                </a:solidFill>
+                <a:latin typeface="Courier New" panose="02070309020205020404" pitchFamily="49" charset="0"/>
+                <a:cs typeface="Courier New" panose="02070309020205020404" pitchFamily="49" charset="0"/>
+              </a:rPr>
+              <a:t>Se </a:t>
+            </a:r>
+            <a:r>
+              <a:rPr lang="pt-PT" sz="1500" dirty="0">
+                <a:solidFill>
+                  <a:schemeClr val="tx1">
+                    <a:lumMod val="65000"/>
+                    <a:lumOff val="35000"/>
+                  </a:schemeClr>
+                </a:solidFill>
+                <a:latin typeface="Courier New" panose="02070309020205020404" pitchFamily="49" charset="0"/>
+                <a:cs typeface="Courier New" panose="02070309020205020404" pitchFamily="49" charset="0"/>
+              </a:rPr>
+              <a:t>total &gt; 0 </a:t>
+            </a:r>
+            <a:r>
+              <a:rPr lang="pt-PT" sz="1500" dirty="0">
+                <a:solidFill>
+                  <a:schemeClr val="tx1">
+                    <a:lumMod val="65000"/>
+                    <a:lumOff val="35000"/>
+                  </a:schemeClr>
+                </a:solidFill>
+              </a:rPr>
+              <a:t>→ </a:t>
+            </a:r>
+            <a:r>
+              <a:rPr lang="pt-PT" sz="1500" b="1" dirty="0">
+                <a:solidFill>
+                  <a:schemeClr val="tx1">
+                    <a:lumMod val="65000"/>
+                    <a:lumOff val="35000"/>
+                  </a:schemeClr>
+                </a:solidFill>
+              </a:rPr>
+              <a:t>400 </a:t>
+            </a:r>
+            <a:r>
+              <a:rPr lang="pt-PT" sz="1500" b="1" dirty="0" err="1">
+                <a:solidFill>
+                  <a:schemeClr val="tx1">
+                    <a:lumMod val="65000"/>
+                    <a:lumOff val="35000"/>
+                  </a:schemeClr>
+                </a:solidFill>
+              </a:rPr>
+              <a:t>Bad</a:t>
+            </a:r>
+            <a:r>
+              <a:rPr lang="pt-PT" sz="1500" b="1" dirty="0">
+                <a:solidFill>
+                  <a:schemeClr val="tx1">
+                    <a:lumMod val="65000"/>
+                    <a:lumOff val="35000"/>
+                  </a:schemeClr>
+                </a:solidFill>
+              </a:rPr>
+              <a:t> </a:t>
+            </a:r>
+            <a:r>
+              <a:rPr lang="pt-PT" sz="1500" b="1" dirty="0" err="1">
+                <a:solidFill>
+                  <a:schemeClr val="tx1">
+                    <a:lumMod val="65000"/>
+                    <a:lumOff val="35000"/>
+                  </a:schemeClr>
+                </a:solidFill>
+              </a:rPr>
+              <a:t>Request</a:t>
+            </a:r>
+            <a:br>
+              <a:rPr lang="pt-PT" sz="1500" dirty="0">
+                <a:solidFill>
+                  <a:schemeClr val="tx1">
+                    <a:lumMod val="65000"/>
+                    <a:lumOff val="35000"/>
+                  </a:schemeClr>
+                </a:solidFill>
+              </a:rPr>
+            </a:br>
+            <a:r>
+              <a:rPr lang="pt-PT" sz="1500" b="1" dirty="0">
+                <a:solidFill>
+                  <a:schemeClr val="tx1">
+                    <a:lumMod val="65000"/>
+                    <a:lumOff val="35000"/>
+                  </a:schemeClr>
+                </a:solidFill>
+              </a:rPr>
+              <a:t>“Não é possível eliminar: funcionário está associado a reservas.”</a:t>
+            </a:r>
+          </a:p>
+          <a:p>
+            <a:endParaRPr lang="pt-PT" sz="1500" dirty="0">
+              <a:solidFill>
+                <a:schemeClr val="tx1">
+                  <a:lumMod val="65000"/>
+                  <a:lumOff val="35000"/>
+                </a:schemeClr>
+              </a:solidFill>
+            </a:endParaRPr>
+          </a:p>
+          <a:p>
+            <a:r>
+              <a:rPr lang="pt-PT" sz="1500" b="1" dirty="0">
+                <a:solidFill>
+                  <a:schemeClr val="tx1">
+                    <a:lumMod val="65000"/>
+                    <a:lumOff val="35000"/>
+                  </a:schemeClr>
+                </a:solidFill>
+              </a:rPr>
+              <a:t>Eliminar funcionário</a:t>
+            </a:r>
+            <a:endParaRPr lang="pt-PT" sz="1500" dirty="0">
+              <a:solidFill>
+                <a:schemeClr val="tx1">
+                  <a:lumMod val="65000"/>
+                  <a:lumOff val="35000"/>
+                </a:schemeClr>
+              </a:solidFill>
+              <a:latin typeface="Courier New" panose="02070309020205020404" pitchFamily="49" charset="0"/>
+              <a:cs typeface="Courier New" panose="02070309020205020404" pitchFamily="49" charset="0"/>
+            </a:endParaRPr>
+          </a:p>
+          <a:p>
+            <a:pPr lvl="1"/>
+            <a:r>
+              <a:rPr lang="pt-PT" sz="1500" dirty="0">
+                <a:solidFill>
+                  <a:schemeClr val="tx1">
+                    <a:lumMod val="65000"/>
+                    <a:lumOff val="35000"/>
+                  </a:schemeClr>
+                </a:solidFill>
+                <a:latin typeface="Courier New" panose="02070309020205020404" pitchFamily="49" charset="0"/>
+                <a:cs typeface="Courier New" panose="02070309020205020404" pitchFamily="49" charset="0"/>
+              </a:rPr>
+              <a:t>DELETE FROM </a:t>
+            </a:r>
+            <a:r>
+              <a:rPr lang="pt-PT" sz="1500" dirty="0" err="1">
+                <a:solidFill>
+                  <a:schemeClr val="tx1">
+                    <a:lumMod val="65000"/>
+                    <a:lumOff val="35000"/>
+                  </a:schemeClr>
+                </a:solidFill>
+                <a:latin typeface="Courier New" panose="02070309020205020404" pitchFamily="49" charset="0"/>
+                <a:cs typeface="Courier New" panose="02070309020205020404" pitchFamily="49" charset="0"/>
+              </a:rPr>
+              <a:t>funcionarios</a:t>
+            </a:r>
+            <a:r>
+              <a:rPr lang="pt-PT" sz="1500" dirty="0">
+                <a:solidFill>
+                  <a:schemeClr val="tx1">
+                    <a:lumMod val="65000"/>
+                    <a:lumOff val="35000"/>
+                  </a:schemeClr>
+                </a:solidFill>
+                <a:latin typeface="Courier New" panose="02070309020205020404" pitchFamily="49" charset="0"/>
+                <a:cs typeface="Courier New" panose="02070309020205020404" pitchFamily="49" charset="0"/>
+              </a:rPr>
+              <a:t> WHERE </a:t>
+            </a:r>
+            <a:r>
+              <a:rPr lang="pt-PT" sz="1500" dirty="0" err="1">
+                <a:solidFill>
+                  <a:schemeClr val="tx1">
+                    <a:lumMod val="65000"/>
+                    <a:lumOff val="35000"/>
+                  </a:schemeClr>
+                </a:solidFill>
+                <a:latin typeface="Courier New" panose="02070309020205020404" pitchFamily="49" charset="0"/>
+                <a:cs typeface="Courier New" panose="02070309020205020404" pitchFamily="49" charset="0"/>
+              </a:rPr>
+              <a:t>id_funcionario</a:t>
+            </a:r>
+            <a:r>
+              <a:rPr lang="pt-PT" sz="1500" dirty="0">
+                <a:solidFill>
+                  <a:schemeClr val="tx1">
+                    <a:lumMod val="65000"/>
+                    <a:lumOff val="35000"/>
+                  </a:schemeClr>
+                </a:solidFill>
+                <a:latin typeface="Courier New" panose="02070309020205020404" pitchFamily="49" charset="0"/>
+                <a:cs typeface="Courier New" panose="02070309020205020404" pitchFamily="49" charset="0"/>
+              </a:rPr>
+              <a:t> = ?</a:t>
+            </a:r>
+          </a:p>
+          <a:p>
+            <a:pPr lvl="1"/>
+            <a:r>
+              <a:rPr lang="pt-PT" sz="1500" dirty="0">
+                <a:solidFill>
+                  <a:schemeClr val="tx1">
+                    <a:lumMod val="65000"/>
+                    <a:lumOff val="35000"/>
+                  </a:schemeClr>
+                </a:solidFill>
+                <a:latin typeface="Courier New" panose="02070309020205020404" pitchFamily="49" charset="0"/>
+                <a:cs typeface="Courier New" panose="02070309020205020404" pitchFamily="49" charset="0"/>
+              </a:rPr>
+              <a:t>Se </a:t>
+            </a:r>
+            <a:r>
+              <a:rPr lang="pt-PT" sz="1500" dirty="0" err="1">
+                <a:solidFill>
+                  <a:schemeClr val="tx1">
+                    <a:lumMod val="65000"/>
+                    <a:lumOff val="35000"/>
+                  </a:schemeClr>
+                </a:solidFill>
+                <a:latin typeface="Courier New" panose="02070309020205020404" pitchFamily="49" charset="0"/>
+                <a:cs typeface="Courier New" panose="02070309020205020404" pitchFamily="49" charset="0"/>
+              </a:rPr>
+              <a:t>affectedRows</a:t>
+            </a:r>
+            <a:r>
+              <a:rPr lang="pt-PT" sz="1500" dirty="0">
+                <a:solidFill>
+                  <a:schemeClr val="tx1">
+                    <a:lumMod val="65000"/>
+                    <a:lumOff val="35000"/>
+                  </a:schemeClr>
+                </a:solidFill>
+                <a:latin typeface="Courier New" panose="02070309020205020404" pitchFamily="49" charset="0"/>
+                <a:cs typeface="Courier New" panose="02070309020205020404" pitchFamily="49" charset="0"/>
+              </a:rPr>
+              <a:t> = 0 → </a:t>
+            </a:r>
+            <a:r>
+              <a:rPr lang="pt-PT" sz="1500" b="1" dirty="0">
+                <a:solidFill>
+                  <a:schemeClr val="tx1">
+                    <a:lumMod val="65000"/>
+                    <a:lumOff val="35000"/>
+                  </a:schemeClr>
+                </a:solidFill>
+                <a:latin typeface="Courier New" panose="02070309020205020404" pitchFamily="49" charset="0"/>
+                <a:cs typeface="Courier New" panose="02070309020205020404" pitchFamily="49" charset="0"/>
+              </a:rPr>
+              <a:t>404 </a:t>
+            </a:r>
+            <a:r>
+              <a:rPr lang="pt-PT" sz="1500" b="1" dirty="0" err="1">
+                <a:solidFill>
+                  <a:schemeClr val="tx1">
+                    <a:lumMod val="65000"/>
+                    <a:lumOff val="35000"/>
+                  </a:schemeClr>
+                </a:solidFill>
+                <a:latin typeface="Courier New" panose="02070309020205020404" pitchFamily="49" charset="0"/>
+                <a:cs typeface="Courier New" panose="02070309020205020404" pitchFamily="49" charset="0"/>
+              </a:rPr>
+              <a:t>Bad</a:t>
+            </a:r>
+            <a:r>
+              <a:rPr lang="pt-PT" sz="1500" b="1" dirty="0">
+                <a:solidFill>
+                  <a:schemeClr val="tx1">
+                    <a:lumMod val="65000"/>
+                    <a:lumOff val="35000"/>
+                  </a:schemeClr>
+                </a:solidFill>
+                <a:latin typeface="Courier New" panose="02070309020205020404" pitchFamily="49" charset="0"/>
+                <a:cs typeface="Courier New" panose="02070309020205020404" pitchFamily="49" charset="0"/>
+              </a:rPr>
+              <a:t> </a:t>
+            </a:r>
+            <a:r>
+              <a:rPr lang="pt-PT" sz="1500" b="1" dirty="0" err="1">
+                <a:solidFill>
+                  <a:schemeClr val="tx1">
+                    <a:lumMod val="65000"/>
+                    <a:lumOff val="35000"/>
+                  </a:schemeClr>
+                </a:solidFill>
+                <a:latin typeface="Courier New" panose="02070309020205020404" pitchFamily="49" charset="0"/>
+                <a:cs typeface="Courier New" panose="02070309020205020404" pitchFamily="49" charset="0"/>
+              </a:rPr>
+              <a:t>Request</a:t>
+            </a:r>
+            <a:endParaRPr lang="pt-PT" sz="1500" b="1" dirty="0">
+              <a:solidFill>
+                <a:schemeClr val="tx1">
+                  <a:lumMod val="65000"/>
+                  <a:lumOff val="35000"/>
+                </a:schemeClr>
+              </a:solidFill>
+              <a:latin typeface="Courier New" panose="02070309020205020404" pitchFamily="49" charset="0"/>
+              <a:cs typeface="Courier New" panose="02070309020205020404" pitchFamily="49" charset="0"/>
+            </a:endParaRPr>
+          </a:p>
+          <a:p>
+            <a:pPr lvl="1"/>
+            <a:endParaRPr lang="pt-PT" sz="1500" b="1" dirty="0">
+              <a:solidFill>
+                <a:schemeClr val="tx1">
+                  <a:lumMod val="65000"/>
+                  <a:lumOff val="35000"/>
+                </a:schemeClr>
+              </a:solidFill>
+            </a:endParaRPr>
+          </a:p>
+          <a:p>
+            <a:pPr lvl="1"/>
+            <a:r>
+              <a:rPr lang="pt-PT" sz="1500" b="1" dirty="0">
+                <a:solidFill>
+                  <a:schemeClr val="tx1">
+                    <a:lumMod val="65000"/>
+                    <a:lumOff val="35000"/>
+                  </a:schemeClr>
+                </a:solidFill>
+              </a:rPr>
+              <a:t>Caso contrário → 200 OK</a:t>
+            </a:r>
+            <a:br>
+              <a:rPr lang="pt-PT" sz="1600" dirty="0">
+                <a:solidFill>
+                  <a:schemeClr val="tx1">
+                    <a:lumMod val="65000"/>
+                    <a:lumOff val="35000"/>
+                  </a:schemeClr>
+                </a:solidFill>
+              </a:rPr>
+            </a:br>
+            <a:endParaRPr lang="pt-PT" sz="1600" dirty="0">
+              <a:solidFill>
+                <a:schemeClr val="tx1">
+                  <a:lumMod val="65000"/>
+                  <a:lumOff val="35000"/>
+                </a:schemeClr>
+              </a:solidFill>
+            </a:endParaRPr>
+          </a:p>
+        </p:txBody>
+      </p:sp>
+      <p:sp>
+        <p:nvSpPr>
+          <p:cNvPr id="11" name="Marcador de Posição do Número do Diapositivo 10">
+            <a:extLst>
+              <a:ext uri="{FF2B5EF4-FFF2-40B4-BE49-F238E27FC236}">
+                <a16:creationId xmlns:a16="http://schemas.microsoft.com/office/drawing/2014/main" id="{591A6B32-2577-5050-3254-EA83794B9486}"/>
+              </a:ext>
+            </a:extLst>
+          </p:cNvPr>
+          <p:cNvSpPr>
+            <a:spLocks noGrp="1"/>
+          </p:cNvSpPr>
+          <p:nvPr>
+            <p:ph type="sldNum" sz="quarter" idx="12"/>
+          </p:nvPr>
+        </p:nvSpPr>
+        <p:spPr>
+          <a:xfrm>
+            <a:off x="8610601" y="6375679"/>
+            <a:ext cx="2819399" cy="345796"/>
+          </a:xfrm>
+        </p:spPr>
+        <p:txBody>
+          <a:bodyPr vert="horz" lIns="91440" tIns="45720" rIns="91440" bIns="45720" rtlCol="0" anchor="ctr">
+            <a:normAutofit/>
+          </a:bodyPr>
+          <a:lstStyle/>
+          <a:p>
+            <a:pPr defTabSz="914400">
+              <a:spcAft>
+                <a:spcPts val="600"/>
+              </a:spcAft>
+            </a:pPr>
+            <a:fld id="{F551A59A-BC5D-4217-BF19-535FB90BF39B}" type="slidenum">
+              <a:rPr lang="en-US" smtClean="0"/>
+              <a:pPr defTabSz="914400">
+                <a:spcAft>
+                  <a:spcPts val="600"/>
+                </a:spcAft>
+              </a:pPr>
+              <a:t>27</a:t>
+            </a:fld>
+            <a:endParaRPr lang="en-US"/>
+          </a:p>
+        </p:txBody>
+      </p:sp>
+      <p:pic>
+        <p:nvPicPr>
+          <p:cNvPr id="5" name="Imagem 4">
+            <a:extLst>
+              <a:ext uri="{FF2B5EF4-FFF2-40B4-BE49-F238E27FC236}">
+                <a16:creationId xmlns:a16="http://schemas.microsoft.com/office/drawing/2014/main" id="{6EB11CD0-13F7-DC28-8519-2F0B99E2C1B9}"/>
+              </a:ext>
+            </a:extLst>
+          </p:cNvPr>
+          <p:cNvPicPr>
+            <a:picLocks noChangeAspect="1"/>
+          </p:cNvPicPr>
+          <p:nvPr/>
+        </p:nvPicPr>
+        <p:blipFill>
+          <a:blip r:embed="rId2">
+            <a:extLst>
+              <a:ext uri="{28A0092B-C50C-407E-A947-70E740481C1C}">
+                <a14:useLocalDpi xmlns:a14="http://schemas.microsoft.com/office/drawing/2010/main" val="0"/>
+              </a:ext>
+            </a:extLst>
+          </a:blip>
+          <a:stretch>
+            <a:fillRect/>
+          </a:stretch>
+        </p:blipFill>
+        <p:spPr>
+          <a:xfrm>
+            <a:off x="6451146" y="0"/>
+            <a:ext cx="4109357" cy="6858000"/>
+          </a:xfrm>
+          <a:prstGeom prst="rect">
+            <a:avLst/>
+          </a:prstGeom>
+        </p:spPr>
+      </p:pic>
+    </p:spTree>
+    <p:extLst>
+      <p:ext uri="{BB962C8B-B14F-4D97-AF65-F5344CB8AC3E}">
+        <p14:creationId xmlns:p14="http://schemas.microsoft.com/office/powerpoint/2010/main" val="1247075603"/>
+      </p:ext>
+    </p:extLst>
+  </p:cSld>
+  <p:clrMapOvr>
+    <a:masterClrMapping/>
+  </p:clrMapOvr>
+</p:sld>
+</file>
+
+<file path=ppt/slides/slide28.xml><?xml version="1.0" encoding="utf-8"?>
 <p:sld xmlns:a="http://schemas.openxmlformats.org/drawingml/2006/main" xmlns:r="http://schemas.openxmlformats.org/officeDocument/2006/relationships" xmlns:p="http://schemas.openxmlformats.org/presentationml/2006/main">
   <p:cSld>
     <p:spTree>
@@ -27935,7 +27410,7 @@
           <a:p>
             <a:fld id="{F551A59A-BC5D-4217-BF19-535FB90BF39B}" type="slidenum">
               <a:rPr lang="pt-PT" smtClean="0"/>
-              <a:t>26</a:t>
+              <a:t>28</a:t>
             </a:fld>
             <a:endParaRPr lang="pt-PT"/>
           </a:p>
@@ -27954,7 +27429,7 @@
 </p:sld>
 </file>
 
-<file path=ppt/slides/slide27.xml><?xml version="1.0" encoding="utf-8"?>
+<file path=ppt/slides/slide29.xml><?xml version="1.0" encoding="utf-8"?>
 <p:sld xmlns:a="http://schemas.openxmlformats.org/drawingml/2006/main" xmlns:r="http://schemas.openxmlformats.org/officeDocument/2006/relationships" xmlns:p="http://schemas.openxmlformats.org/presentationml/2006/main">
   <p:cSld>
     <p:spTree>
@@ -28034,7 +27509,7 @@
           <a:p>
             <a:fld id="{F551A59A-BC5D-4217-BF19-535FB90BF39B}" type="slidenum">
               <a:rPr lang="pt-PT" smtClean="0"/>
-              <a:t>27</a:t>
+              <a:t>29</a:t>
             </a:fld>
             <a:endParaRPr lang="pt-PT"/>
           </a:p>
@@ -28053,7 +27528,124 @@
 </p:sld>
 </file>
 
-<file path=ppt/slides/slide28.xml><?xml version="1.0" encoding="utf-8"?>
+<file path=ppt/slides/slide3.xml><?xml version="1.0" encoding="utf-8"?>
+<p:sld xmlns:a="http://schemas.openxmlformats.org/drawingml/2006/main" xmlns:r="http://schemas.openxmlformats.org/officeDocument/2006/relationships" xmlns:p="http://schemas.openxmlformats.org/presentationml/2006/main">
+  <p:cSld>
+    <p:spTree>
+      <p:nvGrpSpPr>
+        <p:cNvPr id="1" name=""/>
+        <p:cNvGrpSpPr/>
+        <p:nvPr/>
+      </p:nvGrpSpPr>
+      <p:grpSpPr>
+        <a:xfrm>
+          <a:off x="0" y="0"/>
+          <a:ext cx="0" cy="0"/>
+          <a:chOff x="0" y="0"/>
+          <a:chExt cx="0" cy="0"/>
+        </a:xfrm>
+      </p:grpSpPr>
+      <p:sp>
+        <p:nvSpPr>
+          <p:cNvPr id="2" name="Title 1"/>
+          <p:cNvSpPr>
+            <a:spLocks noGrp="1"/>
+          </p:cNvSpPr>
+          <p:nvPr>
+            <p:ph type="title"/>
+          </p:nvPr>
+        </p:nvSpPr>
+        <p:spPr>
+          <a:xfrm>
+            <a:off x="2462758" y="382385"/>
+            <a:ext cx="7633742" cy="1492132"/>
+          </a:xfrm>
+        </p:spPr>
+        <p:txBody>
+          <a:bodyPr anchor="ctr">
+            <a:normAutofit/>
+          </a:bodyPr>
+          <a:lstStyle/>
+          <a:p>
+            <a:r>
+              <a:rPr dirty="0"/>
+              <a:t>2. </a:t>
+            </a:r>
+            <a:r>
+              <a:rPr dirty="0" err="1"/>
+              <a:t>Arquitetura</a:t>
+            </a:r>
+            <a:r>
+              <a:rPr dirty="0"/>
+              <a:t> do Sistema</a:t>
+            </a:r>
+          </a:p>
+        </p:txBody>
+      </p:sp>
+      <p:graphicFrame>
+        <p:nvGraphicFramePr>
+          <p:cNvPr id="5" name="Content Placeholder 2">
+            <a:extLst>
+              <a:ext uri="{FF2B5EF4-FFF2-40B4-BE49-F238E27FC236}">
+                <a16:creationId xmlns:a16="http://schemas.microsoft.com/office/drawing/2014/main" id="{308270A0-5699-E77A-6AD7-67BD4729AE05}"/>
+              </a:ext>
+            </a:extLst>
+          </p:cNvPr>
+          <p:cNvGraphicFramePr>
+            <a:graphicFrameLocks noGrp="1"/>
+          </p:cNvGraphicFramePr>
+          <p:nvPr>
+            <p:ph idx="1"/>
+          </p:nvPr>
+        </p:nvGraphicFramePr>
+        <p:xfrm>
+          <a:off x="2462212" y="2286000"/>
+          <a:ext cx="7634288" cy="3594100"/>
+        </p:xfrm>
+        <a:graphic>
+          <a:graphicData uri="http://schemas.openxmlformats.org/drawingml/2006/diagram">
+            <dgm:relIds xmlns:dgm="http://schemas.openxmlformats.org/drawingml/2006/diagram" xmlns:r="http://schemas.openxmlformats.org/officeDocument/2006/relationships" r:dm="rId2" r:lo="rId3" r:qs="rId4" r:cs="rId5"/>
+          </a:graphicData>
+        </a:graphic>
+      </p:graphicFrame>
+      <p:sp>
+        <p:nvSpPr>
+          <p:cNvPr id="3" name="Marcador de Posição do Número do Diapositivo 2">
+            <a:extLst>
+              <a:ext uri="{FF2B5EF4-FFF2-40B4-BE49-F238E27FC236}">
+                <a16:creationId xmlns:a16="http://schemas.microsoft.com/office/drawing/2014/main" id="{753E9FD2-5CA4-30B6-A021-F552019ADA05}"/>
+              </a:ext>
+            </a:extLst>
+          </p:cNvPr>
+          <p:cNvSpPr>
+            <a:spLocks noGrp="1"/>
+          </p:cNvSpPr>
+          <p:nvPr>
+            <p:ph type="sldNum" sz="quarter" idx="12"/>
+          </p:nvPr>
+        </p:nvSpPr>
+        <p:spPr/>
+        <p:txBody>
+          <a:bodyPr/>
+          <a:lstStyle/>
+          <a:p>
+            <a:fld id="{F551A59A-BC5D-4217-BF19-535FB90BF39B}" type="slidenum">
+              <a:rPr lang="pt-PT" smtClean="0"/>
+              <a:t>3</a:t>
+            </a:fld>
+            <a:endParaRPr lang="pt-PT"/>
+          </a:p>
+        </p:txBody>
+      </p:sp>
+    </p:spTree>
+  </p:cSld>
+  <p:clrMapOvr>
+    <a:masterClrMapping/>
+  </p:clrMapOvr>
+</p:sld>
+</file>
+
+<file path=ppt/slides/slide30.xml><?xml version="1.0" encoding="utf-8"?>
 <p:sld xmlns:a="http://schemas.openxmlformats.org/drawingml/2006/main" xmlns:r="http://schemas.openxmlformats.org/officeDocument/2006/relationships" xmlns:p="http://schemas.openxmlformats.org/presentationml/2006/main">
   <p:cSld>
     <p:bg>
@@ -28284,7 +27876,7 @@
                   <a:spcPts val="600"/>
                 </a:spcAft>
               </a:pPr>
-              <a:t>28</a:t>
+              <a:t>30</a:t>
             </a:fld>
             <a:endParaRPr lang="en-US"/>
           </a:p>
@@ -28303,7 +27895,7 @@
 </p:sld>
 </file>
 
-<file path=ppt/slides/slide29.xml><?xml version="1.0" encoding="utf-8"?>
+<file path=ppt/slides/slide31.xml><?xml version="1.0" encoding="utf-8"?>
 <p:sld xmlns:a="http://schemas.openxmlformats.org/drawingml/2006/main" xmlns:r="http://schemas.openxmlformats.org/officeDocument/2006/relationships" xmlns:p="http://schemas.openxmlformats.org/presentationml/2006/main">
   <p:cSld>
     <p:bg>
@@ -28374,7 +27966,7 @@
                   <a:spcPts val="600"/>
                 </a:spcAft>
               </a:pPr>
-              <a:t>29</a:t>
+              <a:t>31</a:t>
             </a:fld>
             <a:endParaRPr lang="en-US"/>
           </a:p>
@@ -28429,124 +28021,7 @@
 </p:sld>
 </file>
 
-<file path=ppt/slides/slide3.xml><?xml version="1.0" encoding="utf-8"?>
-<p:sld xmlns:a="http://schemas.openxmlformats.org/drawingml/2006/main" xmlns:r="http://schemas.openxmlformats.org/officeDocument/2006/relationships" xmlns:p="http://schemas.openxmlformats.org/presentationml/2006/main">
-  <p:cSld>
-    <p:spTree>
-      <p:nvGrpSpPr>
-        <p:cNvPr id="1" name=""/>
-        <p:cNvGrpSpPr/>
-        <p:nvPr/>
-      </p:nvGrpSpPr>
-      <p:grpSpPr>
-        <a:xfrm>
-          <a:off x="0" y="0"/>
-          <a:ext cx="0" cy="0"/>
-          <a:chOff x="0" y="0"/>
-          <a:chExt cx="0" cy="0"/>
-        </a:xfrm>
-      </p:grpSpPr>
-      <p:sp>
-        <p:nvSpPr>
-          <p:cNvPr id="2" name="Title 1"/>
-          <p:cNvSpPr>
-            <a:spLocks noGrp="1"/>
-          </p:cNvSpPr>
-          <p:nvPr>
-            <p:ph type="title"/>
-          </p:nvPr>
-        </p:nvSpPr>
-        <p:spPr>
-          <a:xfrm>
-            <a:off x="2462758" y="382385"/>
-            <a:ext cx="7633742" cy="1492132"/>
-          </a:xfrm>
-        </p:spPr>
-        <p:txBody>
-          <a:bodyPr anchor="ctr">
-            <a:normAutofit/>
-          </a:bodyPr>
-          <a:lstStyle/>
-          <a:p>
-            <a:r>
-              <a:rPr dirty="0"/>
-              <a:t>2. </a:t>
-            </a:r>
-            <a:r>
-              <a:rPr dirty="0" err="1"/>
-              <a:t>Arquitetura</a:t>
-            </a:r>
-            <a:r>
-              <a:rPr dirty="0"/>
-              <a:t> do Sistema</a:t>
-            </a:r>
-          </a:p>
-        </p:txBody>
-      </p:sp>
-      <p:graphicFrame>
-        <p:nvGraphicFramePr>
-          <p:cNvPr id="5" name="Content Placeholder 2">
-            <a:extLst>
-              <a:ext uri="{FF2B5EF4-FFF2-40B4-BE49-F238E27FC236}">
-                <a16:creationId xmlns:a16="http://schemas.microsoft.com/office/drawing/2014/main" id="{308270A0-5699-E77A-6AD7-67BD4729AE05}"/>
-              </a:ext>
-            </a:extLst>
-          </p:cNvPr>
-          <p:cNvGraphicFramePr>
-            <a:graphicFrameLocks noGrp="1"/>
-          </p:cNvGraphicFramePr>
-          <p:nvPr>
-            <p:ph idx="1"/>
-          </p:nvPr>
-        </p:nvGraphicFramePr>
-        <p:xfrm>
-          <a:off x="2462212" y="2286000"/>
-          <a:ext cx="7634288" cy="3594100"/>
-        </p:xfrm>
-        <a:graphic>
-          <a:graphicData uri="http://schemas.openxmlformats.org/drawingml/2006/diagram">
-            <dgm:relIds xmlns:dgm="http://schemas.openxmlformats.org/drawingml/2006/diagram" xmlns:r="http://schemas.openxmlformats.org/officeDocument/2006/relationships" r:dm="rId2" r:lo="rId3" r:qs="rId4" r:cs="rId5"/>
-          </a:graphicData>
-        </a:graphic>
-      </p:graphicFrame>
-      <p:sp>
-        <p:nvSpPr>
-          <p:cNvPr id="3" name="Marcador de Posição do Número do Diapositivo 2">
-            <a:extLst>
-              <a:ext uri="{FF2B5EF4-FFF2-40B4-BE49-F238E27FC236}">
-                <a16:creationId xmlns:a16="http://schemas.microsoft.com/office/drawing/2014/main" id="{753E9FD2-5CA4-30B6-A021-F552019ADA05}"/>
-              </a:ext>
-            </a:extLst>
-          </p:cNvPr>
-          <p:cNvSpPr>
-            <a:spLocks noGrp="1"/>
-          </p:cNvSpPr>
-          <p:nvPr>
-            <p:ph type="sldNum" sz="quarter" idx="12"/>
-          </p:nvPr>
-        </p:nvSpPr>
-        <p:spPr/>
-        <p:txBody>
-          <a:bodyPr/>
-          <a:lstStyle/>
-          <a:p>
-            <a:fld id="{F551A59A-BC5D-4217-BF19-535FB90BF39B}" type="slidenum">
-              <a:rPr lang="pt-PT" smtClean="0"/>
-              <a:t>3</a:t>
-            </a:fld>
-            <a:endParaRPr lang="pt-PT"/>
-          </a:p>
-        </p:txBody>
-      </p:sp>
-    </p:spTree>
-  </p:cSld>
-  <p:clrMapOvr>
-    <a:masterClrMapping/>
-  </p:clrMapOvr>
-</p:sld>
-</file>
-
-<file path=ppt/slides/slide30.xml><?xml version="1.0" encoding="utf-8"?>
+<file path=ppt/slides/slide32.xml><?xml version="1.0" encoding="utf-8"?>
 <p:sld xmlns:a="http://schemas.openxmlformats.org/drawingml/2006/main" xmlns:r="http://schemas.openxmlformats.org/officeDocument/2006/relationships" xmlns:p="http://schemas.openxmlformats.org/presentationml/2006/main">
   <p:cSld>
     <p:bg>
@@ -28844,7 +28319,7 @@
                   <a:spcPts val="600"/>
                 </a:spcAft>
               </a:pPr>
-              <a:t>30</a:t>
+              <a:t>32</a:t>
             </a:fld>
             <a:endParaRPr lang="en-US"/>
           </a:p>
@@ -28863,7 +28338,7 @@
 </p:sld>
 </file>
 
-<file path=ppt/slides/slide31.xml><?xml version="1.0" encoding="utf-8"?>
+<file path=ppt/slides/slide33.xml><?xml version="1.0" encoding="utf-8"?>
 <p:sld xmlns:a="http://schemas.openxmlformats.org/drawingml/2006/main" xmlns:r="http://schemas.openxmlformats.org/officeDocument/2006/relationships" xmlns:p="http://schemas.openxmlformats.org/presentationml/2006/main">
   <p:cSld>
     <p:spTree>
@@ -28955,7 +28430,7 @@
           <a:p>
             <a:fld id="{F551A59A-BC5D-4217-BF19-535FB90BF39B}" type="slidenum">
               <a:rPr lang="pt-PT" smtClean="0"/>
-              <a:t>31</a:t>
+              <a:t>33</a:t>
             </a:fld>
             <a:endParaRPr lang="pt-PT"/>
           </a:p>
@@ -32665,7 +32140,7 @@
             <a:pPr algn="ctr"/>
             <a:r>
               <a:rPr lang="en-US" sz="4400" dirty="0"/>
-              <a:t>3 Modelo de dados</a:t>
+              <a:t>3. Modelo de dados</a:t>
             </a:r>
           </a:p>
         </p:txBody>
@@ -34470,6 +33945,91 @@
       </p:grpSpPr>
       <p:sp>
         <p:nvSpPr>
+          <p:cNvPr id="4" name="Retângulo 3">
+            <a:extLst>
+              <a:ext uri="{FF2B5EF4-FFF2-40B4-BE49-F238E27FC236}">
+                <a16:creationId xmlns:a16="http://schemas.microsoft.com/office/drawing/2014/main" id="{1FC42ECD-76DB-0C72-E339-B5B4A6CA62AD}"/>
+              </a:ext>
+            </a:extLst>
+          </p:cNvPr>
+          <p:cNvSpPr/>
+          <p:nvPr/>
+        </p:nvSpPr>
+        <p:spPr>
+          <a:xfrm>
+            <a:off x="641023" y="0"/>
+            <a:ext cx="11302738" cy="6857999"/>
+          </a:xfrm>
+          <a:prstGeom prst="rect">
+            <a:avLst/>
+          </a:prstGeom>
+          <a:solidFill>
+            <a:srgbClr val="F7F0DF"/>
+          </a:solidFill>
+          <a:ln>
+            <a:solidFill>
+              <a:srgbClr val="F7F0DF"/>
+            </a:solidFill>
+          </a:ln>
+        </p:spPr>
+        <p:style>
+          <a:lnRef idx="2">
+            <a:schemeClr val="accent1">
+              <a:shade val="15000"/>
+            </a:schemeClr>
+          </a:lnRef>
+          <a:fillRef idx="1">
+            <a:schemeClr val="accent1"/>
+          </a:fillRef>
+          <a:effectRef idx="0">
+            <a:schemeClr val="accent1"/>
+          </a:effectRef>
+          <a:fontRef idx="minor">
+            <a:schemeClr val="lt1"/>
+          </a:fontRef>
+        </p:style>
+        <p:txBody>
+          <a:bodyPr rtlCol="0" anchor="ctr"/>
+          <a:lstStyle/>
+          <a:p>
+            <a:pPr algn="ctr"/>
+            <a:endParaRPr lang="pt-PT"/>
+          </a:p>
+        </p:txBody>
+      </p:sp>
+      <p:graphicFrame>
+        <p:nvGraphicFramePr>
+          <p:cNvPr id="5" name="Marcador de Posição de Conteúdo 2">
+            <a:extLst>
+              <a:ext uri="{FF2B5EF4-FFF2-40B4-BE49-F238E27FC236}">
+                <a16:creationId xmlns:a16="http://schemas.microsoft.com/office/drawing/2014/main" id="{0761DCFD-761D-ADEE-4415-3DCDB94349A1}"/>
+              </a:ext>
+            </a:extLst>
+          </p:cNvPr>
+          <p:cNvGraphicFramePr>
+            <a:graphicFrameLocks noGrp="1"/>
+          </p:cNvGraphicFramePr>
+          <p:nvPr>
+            <p:ph idx="1"/>
+            <p:extLst>
+              <p:ext uri="{D42A27DB-BD31-4B8C-83A1-F6EECF244321}">
+                <p14:modId xmlns:p14="http://schemas.microsoft.com/office/powerpoint/2010/main" val="2567722401"/>
+              </p:ext>
+            </p:extLst>
+          </p:nvPr>
+        </p:nvGraphicFramePr>
+        <p:xfrm>
+          <a:off x="1250950" y="2286000"/>
+          <a:ext cx="10179050" cy="3594100"/>
+        </p:xfrm>
+        <a:graphic>
+          <a:graphicData uri="http://schemas.openxmlformats.org/drawingml/2006/diagram">
+            <dgm:relIds xmlns:dgm="http://schemas.openxmlformats.org/drawingml/2006/diagram" xmlns:r="http://schemas.openxmlformats.org/officeDocument/2006/relationships" r:dm="rId2" r:lo="rId3" r:qs="rId4" r:cs="rId5"/>
+          </a:graphicData>
+        </a:graphic>
+      </p:graphicFrame>
+      <p:sp>
+        <p:nvSpPr>
           <p:cNvPr id="2" name="Título 1">
             <a:extLst>
               <a:ext uri="{FF2B5EF4-FFF2-40B4-BE49-F238E27FC236}">
@@ -34498,37 +34058,6 @@
           </a:p>
         </p:txBody>
       </p:sp>
-      <p:graphicFrame>
-        <p:nvGraphicFramePr>
-          <p:cNvPr id="5" name="Marcador de Posição de Conteúdo 2">
-            <a:extLst>
-              <a:ext uri="{FF2B5EF4-FFF2-40B4-BE49-F238E27FC236}">
-                <a16:creationId xmlns:a16="http://schemas.microsoft.com/office/drawing/2014/main" id="{0761DCFD-761D-ADEE-4415-3DCDB94349A1}"/>
-              </a:ext>
-            </a:extLst>
-          </p:cNvPr>
-          <p:cNvGraphicFramePr>
-            <a:graphicFrameLocks noGrp="1"/>
-          </p:cNvGraphicFramePr>
-          <p:nvPr>
-            <p:ph idx="1"/>
-            <p:extLst>
-              <p:ext uri="{D42A27DB-BD31-4B8C-83A1-F6EECF244321}">
-                <p14:modId xmlns:p14="http://schemas.microsoft.com/office/powerpoint/2010/main" val="1016913758"/>
-              </p:ext>
-            </p:extLst>
-          </p:nvPr>
-        </p:nvGraphicFramePr>
-        <p:xfrm>
-          <a:off x="1250950" y="2286000"/>
-          <a:ext cx="10179050" cy="3594100"/>
-        </p:xfrm>
-        <a:graphic>
-          <a:graphicData uri="http://schemas.openxmlformats.org/drawingml/2006/diagram">
-            <dgm:relIds xmlns:dgm="http://schemas.openxmlformats.org/drawingml/2006/diagram" xmlns:r="http://schemas.openxmlformats.org/officeDocument/2006/relationships" r:dm="rId2" r:lo="rId3" r:qs="rId4" r:cs="rId5"/>
-          </a:graphicData>
-        </a:graphic>
-      </p:graphicFrame>
       <p:sp>
         <p:nvSpPr>
           <p:cNvPr id="3" name="Marcador de Posição do Número do Diapositivo 2">
